--- a/Cigaretta PPT.pptx
+++ b/Cigaretta PPT.pptx
@@ -451,7 +451,7 @@
           <a:p>
             <a:fld id="{132EFA0A-8D4B-4922-BE2C-539CCF55C596}" type="datetimeFigureOut">
               <a:rPr lang="hu-HU" smtClean="0"/>
-              <a:t>2022.09.22.</a:t>
+              <a:t>2022.09.29.</a:t>
             </a:fld>
             <a:endParaRPr lang="hu-HU"/>
           </a:p>
@@ -782,7 +782,7 @@
           <a:p>
             <a:fld id="{132EFA0A-8D4B-4922-BE2C-539CCF55C596}" type="datetimeFigureOut">
               <a:rPr lang="hu-HU" smtClean="0"/>
-              <a:t>2022.09.22.</a:t>
+              <a:t>2022.09.29.</a:t>
             </a:fld>
             <a:endParaRPr lang="hu-HU"/>
           </a:p>
@@ -1030,7 +1030,7 @@
           <a:p>
             <a:fld id="{132EFA0A-8D4B-4922-BE2C-539CCF55C596}" type="datetimeFigureOut">
               <a:rPr lang="hu-HU" smtClean="0"/>
-              <a:t>2022.09.22.</a:t>
+              <a:t>2022.09.29.</a:t>
             </a:fld>
             <a:endParaRPr lang="hu-HU"/>
           </a:p>
@@ -1369,7 +1369,7 @@
           <a:p>
             <a:fld id="{132EFA0A-8D4B-4922-BE2C-539CCF55C596}" type="datetimeFigureOut">
               <a:rPr lang="hu-HU" smtClean="0"/>
-              <a:t>2022.09.22.</a:t>
+              <a:t>2022.09.29.</a:t>
             </a:fld>
             <a:endParaRPr lang="hu-HU"/>
           </a:p>
@@ -1716,7 +1716,7 @@
           <a:p>
             <a:fld id="{132EFA0A-8D4B-4922-BE2C-539CCF55C596}" type="datetimeFigureOut">
               <a:rPr lang="hu-HU" smtClean="0"/>
-              <a:t>2022.09.22.</a:t>
+              <a:t>2022.09.29.</a:t>
             </a:fld>
             <a:endParaRPr lang="hu-HU"/>
           </a:p>
@@ -2090,7 +2090,7 @@
           <a:p>
             <a:fld id="{132EFA0A-8D4B-4922-BE2C-539CCF55C596}" type="datetimeFigureOut">
               <a:rPr lang="hu-HU" smtClean="0"/>
-              <a:t>2022.09.22.</a:t>
+              <a:t>2022.09.29.</a:t>
             </a:fld>
             <a:endParaRPr lang="hu-HU"/>
           </a:p>
@@ -2560,7 +2560,7 @@
           <a:p>
             <a:fld id="{132EFA0A-8D4B-4922-BE2C-539CCF55C596}" type="datetimeFigureOut">
               <a:rPr lang="hu-HU" smtClean="0"/>
-              <a:t>2022.09.22.</a:t>
+              <a:t>2022.09.29.</a:t>
             </a:fld>
             <a:endParaRPr lang="hu-HU"/>
           </a:p>
@@ -2765,7 +2765,7 @@
           <a:p>
             <a:fld id="{132EFA0A-8D4B-4922-BE2C-539CCF55C596}" type="datetimeFigureOut">
               <a:rPr lang="hu-HU" smtClean="0"/>
-              <a:t>2022.09.22.</a:t>
+              <a:t>2022.09.29.</a:t>
             </a:fld>
             <a:endParaRPr lang="hu-HU"/>
           </a:p>
@@ -2976,7 +2976,7 @@
           <a:p>
             <a:fld id="{132EFA0A-8D4B-4922-BE2C-539CCF55C596}" type="datetimeFigureOut">
               <a:rPr lang="hu-HU" smtClean="0"/>
-              <a:t>2022.09.22.</a:t>
+              <a:t>2022.09.29.</a:t>
             </a:fld>
             <a:endParaRPr lang="hu-HU"/>
           </a:p>
@@ -3208,7 +3208,7 @@
           <a:p>
             <a:fld id="{132EFA0A-8D4B-4922-BE2C-539CCF55C596}" type="datetimeFigureOut">
               <a:rPr lang="hu-HU" smtClean="0"/>
-              <a:t>2022.09.22.</a:t>
+              <a:t>2022.09.29.</a:t>
             </a:fld>
             <a:endParaRPr lang="hu-HU"/>
           </a:p>
@@ -3463,7 +3463,7 @@
           <a:p>
             <a:fld id="{132EFA0A-8D4B-4922-BE2C-539CCF55C596}" type="datetimeFigureOut">
               <a:rPr lang="hu-HU" smtClean="0"/>
-              <a:t>2022.09.22.</a:t>
+              <a:t>2022.09.29.</a:t>
             </a:fld>
             <a:endParaRPr lang="hu-HU"/>
           </a:p>
@@ -3761,7 +3761,7 @@
           <a:p>
             <a:fld id="{132EFA0A-8D4B-4922-BE2C-539CCF55C596}" type="datetimeFigureOut">
               <a:rPr lang="hu-HU" smtClean="0"/>
-              <a:t>2022.09.22.</a:t>
+              <a:t>2022.09.29.</a:t>
             </a:fld>
             <a:endParaRPr lang="hu-HU"/>
           </a:p>
@@ -4155,7 +4155,7 @@
           <a:p>
             <a:fld id="{132EFA0A-8D4B-4922-BE2C-539CCF55C596}" type="datetimeFigureOut">
               <a:rPr lang="hu-HU" smtClean="0"/>
-              <a:t>2022.09.22.</a:t>
+              <a:t>2022.09.29.</a:t>
             </a:fld>
             <a:endParaRPr lang="hu-HU"/>
           </a:p>
@@ -4304,7 +4304,7 @@
           <a:p>
             <a:fld id="{132EFA0A-8D4B-4922-BE2C-539CCF55C596}" type="datetimeFigureOut">
               <a:rPr lang="hu-HU" smtClean="0"/>
-              <a:t>2022.09.22.</a:t>
+              <a:t>2022.09.29.</a:t>
             </a:fld>
             <a:endParaRPr lang="hu-HU"/>
           </a:p>
@@ -4430,7 +4430,7 @@
           <a:p>
             <a:fld id="{132EFA0A-8D4B-4922-BE2C-539CCF55C596}" type="datetimeFigureOut">
               <a:rPr lang="hu-HU" smtClean="0"/>
-              <a:t>2022.09.22.</a:t>
+              <a:t>2022.09.29.</a:t>
             </a:fld>
             <a:endParaRPr lang="hu-HU"/>
           </a:p>
@@ -4685,7 +4685,7 @@
           <a:p>
             <a:fld id="{132EFA0A-8D4B-4922-BE2C-539CCF55C596}" type="datetimeFigureOut">
               <a:rPr lang="hu-HU" smtClean="0"/>
-              <a:t>2022.09.22.</a:t>
+              <a:t>2022.09.29.</a:t>
             </a:fld>
             <a:endParaRPr lang="hu-HU"/>
           </a:p>
@@ -5000,7 +5000,7 @@
           <a:p>
             <a:fld id="{132EFA0A-8D4B-4922-BE2C-539CCF55C596}" type="datetimeFigureOut">
               <a:rPr lang="hu-HU" smtClean="0"/>
-              <a:t>2022.09.22.</a:t>
+              <a:t>2022.09.29.</a:t>
             </a:fld>
             <a:endParaRPr lang="hu-HU"/>
           </a:p>
@@ -5351,7 +5351,7 @@
           <a:p>
             <a:fld id="{132EFA0A-8D4B-4922-BE2C-539CCF55C596}" type="datetimeFigureOut">
               <a:rPr lang="hu-HU" smtClean="0"/>
-              <a:t>2022.09.22.</a:t>
+              <a:t>2022.09.29.</a:t>
             </a:fld>
             <a:endParaRPr lang="hu-HU"/>
           </a:p>
@@ -5924,6 +5924,7 @@
                     <a:lumMod val="75000"/>
                   </a:schemeClr>
                 </a:solidFill>
+                <a:latin typeface="Agency FB" panose="020B0503020202020204" pitchFamily="34" charset="0"/>
               </a:rPr>
               <a:t>A Cigi kártevő hatásai</a:t>
             </a:r>
@@ -5933,6 +5934,7 @@
                   <a:lumMod val="75000"/>
                 </a:schemeClr>
               </a:solidFill>
+              <a:latin typeface="Agency FB" panose="020B0503020202020204" pitchFamily="34" charset="0"/>
             </a:endParaRPr>
           </a:p>
         </p:txBody>
@@ -5988,8 +5990,8 @@
         </p:nvSpPr>
         <p:spPr>
           <a:xfrm>
-            <a:off x="5009372" y="2288266"/>
-            <a:ext cx="1811714" cy="923330"/>
+            <a:off x="5168069" y="2288266"/>
+            <a:ext cx="1494320" cy="923330"/>
           </a:xfrm>
           <a:prstGeom prst="rect">
             <a:avLst/>
@@ -6010,6 +6012,7 @@
                     <a:lumMod val="75000"/>
                   </a:schemeClr>
                 </a:solidFill>
+                <a:latin typeface="Agency FB" panose="020B0503020202020204" pitchFamily="34" charset="0"/>
               </a:rPr>
               <a:t>Juhász Máté</a:t>
             </a:r>
@@ -6020,6 +6023,7 @@
                     <a:lumMod val="75000"/>
                   </a:schemeClr>
                 </a:solidFill>
+                <a:latin typeface="Agency FB" panose="020B0503020202020204" pitchFamily="34" charset="0"/>
               </a:rPr>
             </a:br>
             <a:r>
@@ -6029,6 +6033,7 @@
                     <a:lumMod val="75000"/>
                   </a:schemeClr>
                 </a:solidFill>
+                <a:latin typeface="Agency FB" panose="020B0503020202020204" pitchFamily="34" charset="0"/>
               </a:rPr>
               <a:t>Juhász Balázs</a:t>
             </a:r>
@@ -6039,6 +6044,7 @@
                     <a:lumMod val="75000"/>
                   </a:schemeClr>
                 </a:solidFill>
+                <a:latin typeface="Agency FB" panose="020B0503020202020204" pitchFamily="34" charset="0"/>
               </a:rPr>
             </a:br>
             <a:r>
@@ -6048,6 +6054,7 @@
                     <a:lumMod val="75000"/>
                   </a:schemeClr>
                 </a:solidFill>
+                <a:latin typeface="Agency FB" panose="020B0503020202020204" pitchFamily="34" charset="0"/>
               </a:rPr>
               <a:t>Sándor Krisztián</a:t>
             </a:r>
@@ -6057,6 +6064,7 @@
                   <a:lumMod val="75000"/>
                 </a:schemeClr>
               </a:solidFill>
+              <a:latin typeface="Agency FB" panose="020B0503020202020204" pitchFamily="34" charset="0"/>
             </a:endParaRPr>
           </a:p>
         </p:txBody>
@@ -6101,13 +6109,13 @@
   <p:clrMapOvr>
     <a:masterClrMapping/>
   </p:clrMapOvr>
-  <mc:AlternateContent xmlns:mc="http://schemas.openxmlformats.org/markup-compatibility/2006">
-    <mc:Choice xmlns:p14="http://schemas.microsoft.com/office/powerpoint/2010/main" Requires="p14">
+  <mc:AlternateContent xmlns:mc="http://schemas.openxmlformats.org/markup-compatibility/2006" xmlns:p14="http://schemas.microsoft.com/office/powerpoint/2010/main">
+    <mc:Choice Requires="p14">
       <p:transition spd="slow" p14:dur="1200">
         <p:dissolve/>
       </p:transition>
     </mc:Choice>
-    <mc:Fallback>
+    <mc:Fallback xmlns="">
       <p:transition spd="slow">
         <p:dissolve/>
       </p:transition>
@@ -6134,7 +6142,7 @@
                             </p:stCondLst>
                             <p:childTnLst>
                               <p:par>
-                                <p:cTn id="5" presetID="10" presetClass="entr" presetSubtype="0" fill="hold" nodeType="clickEffect">
+                                <p:cTn id="5" presetID="10" presetClass="entr" presetSubtype="0" fill="hold" grpId="0" nodeType="clickEffect">
                                   <p:stCondLst>
                                     <p:cond delay="0"/>
                                   </p:stCondLst>
@@ -6147,7 +6155,11 @@
                                           </p:stCondLst>
                                         </p:cTn>
                                         <p:tgtEl>
-                                          <p:spTgt spid="5"/>
+                                          <p:spTgt spid="3">
+                                            <p:txEl>
+                                              <p:pRg st="0" end="0"/>
+                                            </p:txEl>
+                                          </p:spTgt>
                                         </p:tgtEl>
                                         <p:attrNameLst>
                                           <p:attrName>style.visibility</p:attrName>
@@ -6161,28 +6173,50 @@
                                       <p:cBhvr>
                                         <p:cTn id="7" dur="500"/>
                                         <p:tgtEl>
-                                          <p:spTgt spid="5"/>
+                                          <p:spTgt spid="3">
+                                            <p:txEl>
+                                              <p:pRg st="0" end="0"/>
+                                            </p:txEl>
+                                          </p:spTgt>
                                         </p:tgtEl>
                                       </p:cBhvr>
                                     </p:animEffect>
                                   </p:childTnLst>
                                 </p:cTn>
                               </p:par>
+                            </p:childTnLst>
+                          </p:cTn>
+                        </p:par>
+                      </p:childTnLst>
+                    </p:cTn>
+                  </p:par>
+                  <p:par>
+                    <p:cTn id="8" fill="hold">
+                      <p:stCondLst>
+                        <p:cond delay="indefinite"/>
+                      </p:stCondLst>
+                      <p:childTnLst>
+                        <p:par>
+                          <p:cTn id="9" fill="hold">
+                            <p:stCondLst>
+                              <p:cond delay="0"/>
+                            </p:stCondLst>
+                            <p:childTnLst>
                               <p:par>
-                                <p:cTn id="8" presetID="10" presetClass="entr" presetSubtype="0" fill="hold" grpId="0" nodeType="withEffect">
+                                <p:cTn id="10" presetID="10" presetClass="entr" presetSubtype="0" fill="hold" grpId="0" nodeType="clickEffect">
                                   <p:stCondLst>
                                     <p:cond delay="0"/>
                                   </p:stCondLst>
                                   <p:childTnLst>
                                     <p:set>
                                       <p:cBhvr>
-                                        <p:cTn id="9" dur="1" fill="hold">
+                                        <p:cTn id="11" dur="1" fill="hold">
                                           <p:stCondLst>
                                             <p:cond delay="0"/>
                                           </p:stCondLst>
                                         </p:cTn>
                                         <p:tgtEl>
-                                          <p:spTgt spid="2"/>
+                                          <p:spTgt spid="4"/>
                                         </p:tgtEl>
                                         <p:attrNameLst>
                                           <p:attrName>style.visibility</p:attrName>
@@ -6194,9 +6228,9 @@
                                     </p:set>
                                     <p:animEffect transition="in" filter="fade">
                                       <p:cBhvr>
-                                        <p:cTn id="10" dur="500"/>
+                                        <p:cTn id="12" dur="500"/>
                                         <p:tgtEl>
-                                          <p:spTgt spid="2"/>
+                                          <p:spTgt spid="4"/>
                                         </p:tgtEl>
                                       </p:cBhvr>
                                     </p:animEffect>
@@ -6231,7 +6265,8 @@
       </p:par>
     </p:tnLst>
     <p:bldLst>
-      <p:bldP spid="2" grpId="0"/>
+      <p:bldP spid="3" grpId="0" build="p"/>
+      <p:bldP spid="4" grpId="0"/>
     </p:bldLst>
   </p:timing>
 </p:sld>
@@ -6281,6 +6316,7 @@
                     <a:lumMod val="75000"/>
                   </a:schemeClr>
                 </a:solidFill>
+                <a:latin typeface="Agency FB" panose="020B0503020202020204" pitchFamily="34" charset="0"/>
               </a:rPr>
               <a:t>Cigaretta Információk</a:t>
             </a:r>
@@ -6290,6 +6326,7 @@
                   <a:lumMod val="75000"/>
                 </a:schemeClr>
               </a:solidFill>
+              <a:latin typeface="Agency FB" panose="020B0503020202020204" pitchFamily="34" charset="0"/>
             </a:endParaRPr>
           </a:p>
         </p:txBody>
@@ -6331,8 +6368,8 @@
         </p:nvSpPr>
         <p:spPr>
           <a:xfrm>
-            <a:off x="1945504" y="2434728"/>
-            <a:ext cx="8300990" cy="923330"/>
+            <a:off x="2650184" y="2434728"/>
+            <a:ext cx="6891630" cy="923330"/>
           </a:xfrm>
           <a:prstGeom prst="rect">
             <a:avLst/>
@@ -6347,24 +6384,36 @@
           <a:p>
             <a:pPr algn="ctr"/>
             <a:r>
-              <a:rPr lang="hu-HU" dirty="0" smtClean="0"/>
+              <a:rPr lang="hu-HU" dirty="0" smtClean="0">
+                <a:latin typeface="Agency FB" panose="020B0503020202020204" pitchFamily="34" charset="0"/>
+                <a:cs typeface="Arabic Typesetting" panose="03020402040406030203" pitchFamily="66" charset="-78"/>
+              </a:rPr>
               <a:t>A cigarettának mint sokan tudják, rengeteg káros hatása van, mint rövid,</a:t>
             </a:r>
           </a:p>
           <a:p>
             <a:pPr algn="ctr"/>
             <a:r>
-              <a:rPr lang="hu-HU" dirty="0" smtClean="0"/>
+              <a:rPr lang="hu-HU" dirty="0" smtClean="0">
+                <a:latin typeface="Agency FB" panose="020B0503020202020204" pitchFamily="34" charset="0"/>
+                <a:cs typeface="Arabic Typesetting" panose="03020402040406030203" pitchFamily="66" charset="-78"/>
+              </a:rPr>
               <a:t>Illetve mint hosszú távon is.</a:t>
             </a:r>
           </a:p>
           <a:p>
             <a:pPr algn="ctr"/>
             <a:r>
-              <a:rPr lang="hu-HU" dirty="0" smtClean="0"/>
+              <a:rPr lang="hu-HU" dirty="0" smtClean="0">
+                <a:latin typeface="Agency FB" panose="020B0503020202020204" pitchFamily="34" charset="0"/>
+                <a:cs typeface="Arabic Typesetting" panose="03020402040406030203" pitchFamily="66" charset="-78"/>
+              </a:rPr>
               <a:t>Egy elszívott cigi már rettentően rontja a légutakat, illetve a tüdőt a legnagyobb mértékben.</a:t>
             </a:r>
-            <a:endParaRPr lang="hu-HU" dirty="0"/>
+            <a:endParaRPr lang="hu-HU" dirty="0">
+              <a:latin typeface="Agency FB" panose="020B0503020202020204" pitchFamily="34" charset="0"/>
+              <a:cs typeface="Arabic Typesetting" panose="03020402040406030203" pitchFamily="66" charset="-78"/>
+            </a:endParaRPr>
           </a:p>
         </p:txBody>
       </p:sp>
@@ -6378,13 +6427,13 @@
   <p:clrMapOvr>
     <a:masterClrMapping/>
   </p:clrMapOvr>
-  <mc:AlternateContent xmlns:mc="http://schemas.openxmlformats.org/markup-compatibility/2006">
-    <mc:Choice xmlns:p15="http://schemas.microsoft.com/office/powerpoint/2012/main" Requires="p15">
+  <mc:AlternateContent xmlns:mc="http://schemas.openxmlformats.org/markup-compatibility/2006" xmlns:p15="http://schemas.microsoft.com/office/powerpoint/2012/main">
+    <mc:Choice Requires="p15">
       <p:transition xmlns:p14="http://schemas.microsoft.com/office/powerpoint/2010/main" spd="slow" p14:dur="1250">
         <p15:prstTrans prst="pageCurlDouble"/>
       </p:transition>
     </mc:Choice>
-    <mc:Fallback>
+    <mc:Fallback xmlns="">
       <p:transition spd="slow">
         <p:fade/>
       </p:transition>
@@ -6424,7 +6473,7 @@
                                           </p:stCondLst>
                                         </p:cTn>
                                         <p:tgtEl>
-                                          <p:spTgt spid="2"/>
+                                          <p:spTgt spid="5"/>
                                         </p:tgtEl>
                                         <p:attrNameLst>
                                           <p:attrName>style.visibility</p:attrName>
@@ -6438,42 +6487,7 @@
                                       <p:cBhvr>
                                         <p:cTn id="7" dur="500"/>
                                         <p:tgtEl>
-                                          <p:spTgt spid="2"/>
-                                        </p:tgtEl>
-                                      </p:cBhvr>
-                                    </p:animEffect>
-                                  </p:childTnLst>
-                                </p:cTn>
-                              </p:par>
-                              <p:par>
-                                <p:cTn id="8" presetID="10" presetClass="entr" presetSubtype="0" fill="hold" nodeType="withEffect">
-                                  <p:stCondLst>
-                                    <p:cond delay="0"/>
-                                  </p:stCondLst>
-                                  <p:childTnLst>
-                                    <p:set>
-                                      <p:cBhvr>
-                                        <p:cTn id="9" dur="1" fill="hold">
-                                          <p:stCondLst>
-                                            <p:cond delay="0"/>
-                                          </p:stCondLst>
-                                        </p:cTn>
-                                        <p:tgtEl>
-                                          <p:spTgt spid="4"/>
-                                        </p:tgtEl>
-                                        <p:attrNameLst>
-                                          <p:attrName>style.visibility</p:attrName>
-                                        </p:attrNameLst>
-                                      </p:cBhvr>
-                                      <p:to>
-                                        <p:strVal val="visible"/>
-                                      </p:to>
-                                    </p:set>
-                                    <p:animEffect transition="in" filter="fade">
-                                      <p:cBhvr>
-                                        <p:cTn id="10" dur="500"/>
-                                        <p:tgtEl>
-                                          <p:spTgt spid="4"/>
+                                          <p:spTgt spid="5"/>
                                         </p:tgtEl>
                                       </p:cBhvr>
                                     </p:animEffect>
@@ -6508,7 +6522,7 @@
       </p:par>
     </p:tnLst>
     <p:bldLst>
-      <p:bldP spid="2" grpId="0"/>
+      <p:bldP spid="5" grpId="0"/>
     </p:bldLst>
   </p:timing>
 </p:sld>
@@ -6553,6 +6567,7 @@
                     <a:lumMod val="75000"/>
                   </a:schemeClr>
                 </a:solidFill>
+                <a:latin typeface="Agency FB" panose="020B0503020202020204" pitchFamily="34" charset="0"/>
               </a:rPr>
               <a:t>Cigaretta káros hatásai 10+1 pontban</a:t>
             </a:r>
@@ -6562,6 +6577,7 @@
                   <a:lumMod val="75000"/>
                 </a:schemeClr>
               </a:solidFill>
+              <a:latin typeface="Agency FB" panose="020B0503020202020204" pitchFamily="34" charset="0"/>
             </a:endParaRPr>
           </a:p>
         </p:txBody>
@@ -6589,88 +6605,120 @@
           <a:lstStyle/>
           <a:p>
             <a:r>
-              <a:rPr lang="hu-HU" sz="1400" dirty="0"/>
+              <a:rPr lang="hu-HU" sz="1400" dirty="0">
+                <a:latin typeface="Agency FB" panose="020B0503020202020204" pitchFamily="34" charset="0"/>
+              </a:rPr>
               <a:t>A dohányzás tüdőtáguláshoz vezethet.</a:t>
             </a:r>
           </a:p>
           <a:p>
             <a:r>
-              <a:rPr lang="hu-HU" sz="1400" dirty="0"/>
+              <a:rPr lang="hu-HU" sz="1400" dirty="0">
+                <a:latin typeface="Agency FB" panose="020B0503020202020204" pitchFamily="34" charset="0"/>
+              </a:rPr>
               <a:t>A dohányzók körében gyakoribbak az idült légúti megbetegedések.</a:t>
             </a:r>
           </a:p>
           <a:p>
             <a:r>
-              <a:rPr lang="hu-HU" sz="1400" dirty="0"/>
+              <a:rPr lang="hu-HU" sz="1400" dirty="0">
+                <a:latin typeface="Agency FB" panose="020B0503020202020204" pitchFamily="34" charset="0"/>
+              </a:rPr>
               <a:t>A cigizés az egész szervezetet gyulladásban tarthatja.</a:t>
             </a:r>
           </a:p>
           <a:p>
             <a:r>
-              <a:rPr lang="hu-HU" sz="1400" dirty="0"/>
+              <a:rPr lang="hu-HU" sz="1400" dirty="0">
+                <a:latin typeface="Agency FB" panose="020B0503020202020204" pitchFamily="34" charset="0"/>
+              </a:rPr>
               <a:t>A dohányzás csökkenti a nemzőképességet.</a:t>
             </a:r>
           </a:p>
           <a:p>
             <a:r>
-              <a:rPr lang="hu-HU" sz="1400" dirty="0"/>
+              <a:rPr lang="hu-HU" sz="1400" dirty="0">
+                <a:latin typeface="Agency FB" panose="020B0503020202020204" pitchFamily="34" charset="0"/>
+              </a:rPr>
               <a:t>Pajzsmirigybetegséget is okozhat.</a:t>
             </a:r>
           </a:p>
           <a:p>
             <a:r>
-              <a:rPr lang="hu-HU" sz="1400" dirty="0"/>
+              <a:rPr lang="hu-HU" sz="1400" dirty="0">
+                <a:latin typeface="Agency FB" panose="020B0503020202020204" pitchFamily="34" charset="0"/>
+              </a:rPr>
               <a:t>A dohányzóknál megnövekszik a csonttörés kockázata.</a:t>
             </a:r>
           </a:p>
           <a:p>
             <a:r>
-              <a:rPr lang="hu-HU" sz="1400" dirty="0"/>
+              <a:rPr lang="hu-HU" sz="1400" dirty="0">
+                <a:latin typeface="Agency FB" panose="020B0503020202020204" pitchFamily="34" charset="0"/>
+              </a:rPr>
               <a:t>A dohányzás </a:t>
             </a:r>
             <a:r>
-              <a:rPr lang="hu-HU" sz="1400" dirty="0" err="1"/>
+              <a:rPr lang="hu-HU" sz="1400" dirty="0" err="1">
+                <a:latin typeface="Agency FB" panose="020B0503020202020204" pitchFamily="34" charset="0"/>
+              </a:rPr>
               <a:t>combfejelhalást</a:t>
             </a:r>
             <a:r>
-              <a:rPr lang="hu-HU" sz="1400" dirty="0"/>
+              <a:rPr lang="hu-HU" sz="1400" dirty="0">
+                <a:latin typeface="Agency FB" panose="020B0503020202020204" pitchFamily="34" charset="0"/>
+              </a:rPr>
               <a:t> és ízületi betegségeket okozhat.</a:t>
             </a:r>
           </a:p>
           <a:p>
             <a:r>
-              <a:rPr lang="hu-HU" sz="1400" dirty="0"/>
+              <a:rPr lang="hu-HU" sz="1400" dirty="0">
+                <a:latin typeface="Agency FB" panose="020B0503020202020204" pitchFamily="34" charset="0"/>
+              </a:rPr>
               <a:t>Megnő a szív-és érrendszeri megbetegedések kialakulásának kockázata.</a:t>
             </a:r>
           </a:p>
           <a:p>
             <a:r>
-              <a:rPr lang="hu-HU" sz="1400" dirty="0"/>
+              <a:rPr lang="hu-HU" sz="1400" dirty="0">
+                <a:latin typeface="Agency FB" panose="020B0503020202020204" pitchFamily="34" charset="0"/>
+              </a:rPr>
               <a:t>A dohányzás rengeteg vitamint emészt fel az emberi szervezetben</a:t>
             </a:r>
             <a:r>
-              <a:rPr lang="hu-HU" sz="1400" dirty="0" smtClean="0"/>
+              <a:rPr lang="hu-HU" sz="1400" dirty="0" smtClean="0">
+                <a:latin typeface="Agency FB" panose="020B0503020202020204" pitchFamily="34" charset="0"/>
+              </a:rPr>
               <a:t>.</a:t>
             </a:r>
           </a:p>
           <a:p>
             <a:r>
-              <a:rPr lang="hu-HU" sz="1400" dirty="0" smtClean="0"/>
+              <a:rPr lang="hu-HU" sz="1400" dirty="0" smtClean="0">
+                <a:latin typeface="Agency FB" panose="020B0503020202020204" pitchFamily="34" charset="0"/>
+              </a:rPr>
               <a:t>A </a:t>
             </a:r>
             <a:r>
-              <a:rPr lang="hu-HU" sz="1400" dirty="0"/>
+              <a:rPr lang="hu-HU" sz="1400" dirty="0">
+                <a:latin typeface="Agency FB" panose="020B0503020202020204" pitchFamily="34" charset="0"/>
+              </a:rPr>
               <a:t>dohányos cukorbetegeknek gyakrabban kell súlyos szövődményekkel számolniuk.</a:t>
             </a:r>
           </a:p>
           <a:p>
             <a:r>
-              <a:rPr lang="hu-HU" sz="1400" dirty="0"/>
+              <a:rPr lang="hu-HU" sz="1400" dirty="0">
+                <a:latin typeface="Agency FB" panose="020B0503020202020204" pitchFamily="34" charset="0"/>
+              </a:rPr>
               <a:t>Rontja a szellemi teljesítőképességet, negatív hat a memóriára és a koncentrálóképességre.</a:t>
             </a:r>
           </a:p>
           <a:p>
-            <a:endParaRPr lang="hu-HU" sz="1400" dirty="0"/>
+            <a:endParaRPr lang="hu-HU" sz="1400" dirty="0">
+              <a:latin typeface="Agency FB" panose="020B0503020202020204" pitchFamily="34" charset="0"/>
+            </a:endParaRPr>
           </a:p>
         </p:txBody>
       </p:sp>
@@ -6714,13 +6762,13 @@
   <p:clrMapOvr>
     <a:masterClrMapping/>
   </p:clrMapOvr>
-  <mc:AlternateContent xmlns:mc="http://schemas.openxmlformats.org/markup-compatibility/2006">
-    <mc:Choice xmlns:p15="http://schemas.microsoft.com/office/powerpoint/2012/main" Requires="p15">
+  <mc:AlternateContent xmlns:mc="http://schemas.openxmlformats.org/markup-compatibility/2006" xmlns:p15="http://schemas.microsoft.com/office/powerpoint/2012/main">
+    <mc:Choice Requires="p15">
       <p:transition xmlns:p14="http://schemas.microsoft.com/office/powerpoint/2010/main" spd="slow" p14:dur="1250">
         <p15:prstTrans prst="pageCurlDouble"/>
       </p:transition>
     </mc:Choice>
-    <mc:Fallback>
+    <mc:Fallback xmlns="">
       <p:transition spd="slow">
         <p:fade/>
       </p:transition>
@@ -6760,7 +6808,11 @@
                                           </p:stCondLst>
                                         </p:cTn>
                                         <p:tgtEl>
-                                          <p:spTgt spid="2"/>
+                                          <p:spTgt spid="3">
+                                            <p:txEl>
+                                              <p:pRg st="0" end="0"/>
+                                            </p:txEl>
+                                          </p:spTgt>
                                         </p:tgtEl>
                                         <p:attrNameLst>
                                           <p:attrName>style.visibility</p:attrName>
@@ -6774,28 +6826,54 @@
                                       <p:cBhvr>
                                         <p:cTn id="7" dur="500"/>
                                         <p:tgtEl>
-                                          <p:spTgt spid="2"/>
+                                          <p:spTgt spid="3">
+                                            <p:txEl>
+                                              <p:pRg st="0" end="0"/>
+                                            </p:txEl>
+                                          </p:spTgt>
                                         </p:tgtEl>
                                       </p:cBhvr>
                                     </p:animEffect>
                                   </p:childTnLst>
                                 </p:cTn>
                               </p:par>
+                            </p:childTnLst>
+                          </p:cTn>
+                        </p:par>
+                      </p:childTnLst>
+                    </p:cTn>
+                  </p:par>
+                  <p:par>
+                    <p:cTn id="8" fill="hold">
+                      <p:stCondLst>
+                        <p:cond delay="indefinite"/>
+                      </p:stCondLst>
+                      <p:childTnLst>
+                        <p:par>
+                          <p:cTn id="9" fill="hold">
+                            <p:stCondLst>
+                              <p:cond delay="0"/>
+                            </p:stCondLst>
+                            <p:childTnLst>
                               <p:par>
-                                <p:cTn id="8" presetID="10" presetClass="entr" presetSubtype="0" fill="hold" nodeType="withEffect">
+                                <p:cTn id="10" presetID="10" presetClass="entr" presetSubtype="0" fill="hold" grpId="0" nodeType="clickEffect">
                                   <p:stCondLst>
                                     <p:cond delay="0"/>
                                   </p:stCondLst>
                                   <p:childTnLst>
                                     <p:set>
                                       <p:cBhvr>
-                                        <p:cTn id="9" dur="1" fill="hold">
+                                        <p:cTn id="11" dur="1" fill="hold">
                                           <p:stCondLst>
                                             <p:cond delay="0"/>
                                           </p:stCondLst>
                                         </p:cTn>
                                         <p:tgtEl>
-                                          <p:spTgt spid="5"/>
+                                          <p:spTgt spid="3">
+                                            <p:txEl>
+                                              <p:pRg st="1" end="1"/>
+                                            </p:txEl>
+                                          </p:spTgt>
                                         </p:tgtEl>
                                         <p:attrNameLst>
                                           <p:attrName>style.visibility</p:attrName>
@@ -6807,9 +6885,562 @@
                                     </p:set>
                                     <p:animEffect transition="in" filter="fade">
                                       <p:cBhvr>
-                                        <p:cTn id="10" dur="500"/>
+                                        <p:cTn id="12" dur="500"/>
                                         <p:tgtEl>
-                                          <p:spTgt spid="5"/>
+                                          <p:spTgt spid="3">
+                                            <p:txEl>
+                                              <p:pRg st="1" end="1"/>
+                                            </p:txEl>
+                                          </p:spTgt>
+                                        </p:tgtEl>
+                                      </p:cBhvr>
+                                    </p:animEffect>
+                                  </p:childTnLst>
+                                </p:cTn>
+                              </p:par>
+                            </p:childTnLst>
+                          </p:cTn>
+                        </p:par>
+                      </p:childTnLst>
+                    </p:cTn>
+                  </p:par>
+                  <p:par>
+                    <p:cTn id="13" fill="hold">
+                      <p:stCondLst>
+                        <p:cond delay="indefinite"/>
+                      </p:stCondLst>
+                      <p:childTnLst>
+                        <p:par>
+                          <p:cTn id="14" fill="hold">
+                            <p:stCondLst>
+                              <p:cond delay="0"/>
+                            </p:stCondLst>
+                            <p:childTnLst>
+                              <p:par>
+                                <p:cTn id="15" presetID="10" presetClass="entr" presetSubtype="0" fill="hold" grpId="0" nodeType="clickEffect">
+                                  <p:stCondLst>
+                                    <p:cond delay="0"/>
+                                  </p:stCondLst>
+                                  <p:childTnLst>
+                                    <p:set>
+                                      <p:cBhvr>
+                                        <p:cTn id="16" dur="1" fill="hold">
+                                          <p:stCondLst>
+                                            <p:cond delay="0"/>
+                                          </p:stCondLst>
+                                        </p:cTn>
+                                        <p:tgtEl>
+                                          <p:spTgt spid="3">
+                                            <p:txEl>
+                                              <p:pRg st="2" end="2"/>
+                                            </p:txEl>
+                                          </p:spTgt>
+                                        </p:tgtEl>
+                                        <p:attrNameLst>
+                                          <p:attrName>style.visibility</p:attrName>
+                                        </p:attrNameLst>
+                                      </p:cBhvr>
+                                      <p:to>
+                                        <p:strVal val="visible"/>
+                                      </p:to>
+                                    </p:set>
+                                    <p:animEffect transition="in" filter="fade">
+                                      <p:cBhvr>
+                                        <p:cTn id="17" dur="500"/>
+                                        <p:tgtEl>
+                                          <p:spTgt spid="3">
+                                            <p:txEl>
+                                              <p:pRg st="2" end="2"/>
+                                            </p:txEl>
+                                          </p:spTgt>
+                                        </p:tgtEl>
+                                      </p:cBhvr>
+                                    </p:animEffect>
+                                  </p:childTnLst>
+                                </p:cTn>
+                              </p:par>
+                            </p:childTnLst>
+                          </p:cTn>
+                        </p:par>
+                      </p:childTnLst>
+                    </p:cTn>
+                  </p:par>
+                  <p:par>
+                    <p:cTn id="18" fill="hold">
+                      <p:stCondLst>
+                        <p:cond delay="indefinite"/>
+                      </p:stCondLst>
+                      <p:childTnLst>
+                        <p:par>
+                          <p:cTn id="19" fill="hold">
+                            <p:stCondLst>
+                              <p:cond delay="0"/>
+                            </p:stCondLst>
+                            <p:childTnLst>
+                              <p:par>
+                                <p:cTn id="20" presetID="10" presetClass="entr" presetSubtype="0" fill="hold" grpId="0" nodeType="clickEffect">
+                                  <p:stCondLst>
+                                    <p:cond delay="0"/>
+                                  </p:stCondLst>
+                                  <p:childTnLst>
+                                    <p:set>
+                                      <p:cBhvr>
+                                        <p:cTn id="21" dur="1" fill="hold">
+                                          <p:stCondLst>
+                                            <p:cond delay="0"/>
+                                          </p:stCondLst>
+                                        </p:cTn>
+                                        <p:tgtEl>
+                                          <p:spTgt spid="3">
+                                            <p:txEl>
+                                              <p:pRg st="3" end="3"/>
+                                            </p:txEl>
+                                          </p:spTgt>
+                                        </p:tgtEl>
+                                        <p:attrNameLst>
+                                          <p:attrName>style.visibility</p:attrName>
+                                        </p:attrNameLst>
+                                      </p:cBhvr>
+                                      <p:to>
+                                        <p:strVal val="visible"/>
+                                      </p:to>
+                                    </p:set>
+                                    <p:animEffect transition="in" filter="fade">
+                                      <p:cBhvr>
+                                        <p:cTn id="22" dur="500"/>
+                                        <p:tgtEl>
+                                          <p:spTgt spid="3">
+                                            <p:txEl>
+                                              <p:pRg st="3" end="3"/>
+                                            </p:txEl>
+                                          </p:spTgt>
+                                        </p:tgtEl>
+                                      </p:cBhvr>
+                                    </p:animEffect>
+                                  </p:childTnLst>
+                                </p:cTn>
+                              </p:par>
+                            </p:childTnLst>
+                          </p:cTn>
+                        </p:par>
+                      </p:childTnLst>
+                    </p:cTn>
+                  </p:par>
+                  <p:par>
+                    <p:cTn id="23" fill="hold">
+                      <p:stCondLst>
+                        <p:cond delay="indefinite"/>
+                      </p:stCondLst>
+                      <p:childTnLst>
+                        <p:par>
+                          <p:cTn id="24" fill="hold">
+                            <p:stCondLst>
+                              <p:cond delay="0"/>
+                            </p:stCondLst>
+                            <p:childTnLst>
+                              <p:par>
+                                <p:cTn id="25" presetID="10" presetClass="entr" presetSubtype="0" fill="hold" grpId="0" nodeType="clickEffect">
+                                  <p:stCondLst>
+                                    <p:cond delay="0"/>
+                                  </p:stCondLst>
+                                  <p:childTnLst>
+                                    <p:set>
+                                      <p:cBhvr>
+                                        <p:cTn id="26" dur="1" fill="hold">
+                                          <p:stCondLst>
+                                            <p:cond delay="0"/>
+                                          </p:stCondLst>
+                                        </p:cTn>
+                                        <p:tgtEl>
+                                          <p:spTgt spid="3">
+                                            <p:txEl>
+                                              <p:pRg st="4" end="4"/>
+                                            </p:txEl>
+                                          </p:spTgt>
+                                        </p:tgtEl>
+                                        <p:attrNameLst>
+                                          <p:attrName>style.visibility</p:attrName>
+                                        </p:attrNameLst>
+                                      </p:cBhvr>
+                                      <p:to>
+                                        <p:strVal val="visible"/>
+                                      </p:to>
+                                    </p:set>
+                                    <p:animEffect transition="in" filter="fade">
+                                      <p:cBhvr>
+                                        <p:cTn id="27" dur="500"/>
+                                        <p:tgtEl>
+                                          <p:spTgt spid="3">
+                                            <p:txEl>
+                                              <p:pRg st="4" end="4"/>
+                                            </p:txEl>
+                                          </p:spTgt>
+                                        </p:tgtEl>
+                                      </p:cBhvr>
+                                    </p:animEffect>
+                                  </p:childTnLst>
+                                </p:cTn>
+                              </p:par>
+                            </p:childTnLst>
+                          </p:cTn>
+                        </p:par>
+                      </p:childTnLst>
+                    </p:cTn>
+                  </p:par>
+                  <p:par>
+                    <p:cTn id="28" fill="hold">
+                      <p:stCondLst>
+                        <p:cond delay="indefinite"/>
+                      </p:stCondLst>
+                      <p:childTnLst>
+                        <p:par>
+                          <p:cTn id="29" fill="hold">
+                            <p:stCondLst>
+                              <p:cond delay="0"/>
+                            </p:stCondLst>
+                            <p:childTnLst>
+                              <p:par>
+                                <p:cTn id="30" presetID="10" presetClass="entr" presetSubtype="0" fill="hold" grpId="0" nodeType="clickEffect">
+                                  <p:stCondLst>
+                                    <p:cond delay="0"/>
+                                  </p:stCondLst>
+                                  <p:childTnLst>
+                                    <p:set>
+                                      <p:cBhvr>
+                                        <p:cTn id="31" dur="1" fill="hold">
+                                          <p:stCondLst>
+                                            <p:cond delay="0"/>
+                                          </p:stCondLst>
+                                        </p:cTn>
+                                        <p:tgtEl>
+                                          <p:spTgt spid="3">
+                                            <p:txEl>
+                                              <p:pRg st="5" end="5"/>
+                                            </p:txEl>
+                                          </p:spTgt>
+                                        </p:tgtEl>
+                                        <p:attrNameLst>
+                                          <p:attrName>style.visibility</p:attrName>
+                                        </p:attrNameLst>
+                                      </p:cBhvr>
+                                      <p:to>
+                                        <p:strVal val="visible"/>
+                                      </p:to>
+                                    </p:set>
+                                    <p:animEffect transition="in" filter="fade">
+                                      <p:cBhvr>
+                                        <p:cTn id="32" dur="500"/>
+                                        <p:tgtEl>
+                                          <p:spTgt spid="3">
+                                            <p:txEl>
+                                              <p:pRg st="5" end="5"/>
+                                            </p:txEl>
+                                          </p:spTgt>
+                                        </p:tgtEl>
+                                      </p:cBhvr>
+                                    </p:animEffect>
+                                  </p:childTnLst>
+                                </p:cTn>
+                              </p:par>
+                            </p:childTnLst>
+                          </p:cTn>
+                        </p:par>
+                      </p:childTnLst>
+                    </p:cTn>
+                  </p:par>
+                  <p:par>
+                    <p:cTn id="33" fill="hold">
+                      <p:stCondLst>
+                        <p:cond delay="indefinite"/>
+                      </p:stCondLst>
+                      <p:childTnLst>
+                        <p:par>
+                          <p:cTn id="34" fill="hold">
+                            <p:stCondLst>
+                              <p:cond delay="0"/>
+                            </p:stCondLst>
+                            <p:childTnLst>
+                              <p:par>
+                                <p:cTn id="35" presetID="10" presetClass="entr" presetSubtype="0" fill="hold" grpId="0" nodeType="clickEffect">
+                                  <p:stCondLst>
+                                    <p:cond delay="0"/>
+                                  </p:stCondLst>
+                                  <p:childTnLst>
+                                    <p:set>
+                                      <p:cBhvr>
+                                        <p:cTn id="36" dur="1" fill="hold">
+                                          <p:stCondLst>
+                                            <p:cond delay="0"/>
+                                          </p:stCondLst>
+                                        </p:cTn>
+                                        <p:tgtEl>
+                                          <p:spTgt spid="3">
+                                            <p:txEl>
+                                              <p:pRg st="6" end="6"/>
+                                            </p:txEl>
+                                          </p:spTgt>
+                                        </p:tgtEl>
+                                        <p:attrNameLst>
+                                          <p:attrName>style.visibility</p:attrName>
+                                        </p:attrNameLst>
+                                      </p:cBhvr>
+                                      <p:to>
+                                        <p:strVal val="visible"/>
+                                      </p:to>
+                                    </p:set>
+                                    <p:animEffect transition="in" filter="fade">
+                                      <p:cBhvr>
+                                        <p:cTn id="37" dur="500"/>
+                                        <p:tgtEl>
+                                          <p:spTgt spid="3">
+                                            <p:txEl>
+                                              <p:pRg st="6" end="6"/>
+                                            </p:txEl>
+                                          </p:spTgt>
+                                        </p:tgtEl>
+                                      </p:cBhvr>
+                                    </p:animEffect>
+                                  </p:childTnLst>
+                                </p:cTn>
+                              </p:par>
+                            </p:childTnLst>
+                          </p:cTn>
+                        </p:par>
+                      </p:childTnLst>
+                    </p:cTn>
+                  </p:par>
+                  <p:par>
+                    <p:cTn id="38" fill="hold">
+                      <p:stCondLst>
+                        <p:cond delay="indefinite"/>
+                      </p:stCondLst>
+                      <p:childTnLst>
+                        <p:par>
+                          <p:cTn id="39" fill="hold">
+                            <p:stCondLst>
+                              <p:cond delay="0"/>
+                            </p:stCondLst>
+                            <p:childTnLst>
+                              <p:par>
+                                <p:cTn id="40" presetID="10" presetClass="entr" presetSubtype="0" fill="hold" grpId="0" nodeType="clickEffect">
+                                  <p:stCondLst>
+                                    <p:cond delay="0"/>
+                                  </p:stCondLst>
+                                  <p:childTnLst>
+                                    <p:set>
+                                      <p:cBhvr>
+                                        <p:cTn id="41" dur="1" fill="hold">
+                                          <p:stCondLst>
+                                            <p:cond delay="0"/>
+                                          </p:stCondLst>
+                                        </p:cTn>
+                                        <p:tgtEl>
+                                          <p:spTgt spid="3">
+                                            <p:txEl>
+                                              <p:pRg st="7" end="7"/>
+                                            </p:txEl>
+                                          </p:spTgt>
+                                        </p:tgtEl>
+                                        <p:attrNameLst>
+                                          <p:attrName>style.visibility</p:attrName>
+                                        </p:attrNameLst>
+                                      </p:cBhvr>
+                                      <p:to>
+                                        <p:strVal val="visible"/>
+                                      </p:to>
+                                    </p:set>
+                                    <p:animEffect transition="in" filter="fade">
+                                      <p:cBhvr>
+                                        <p:cTn id="42" dur="500"/>
+                                        <p:tgtEl>
+                                          <p:spTgt spid="3">
+                                            <p:txEl>
+                                              <p:pRg st="7" end="7"/>
+                                            </p:txEl>
+                                          </p:spTgt>
+                                        </p:tgtEl>
+                                      </p:cBhvr>
+                                    </p:animEffect>
+                                  </p:childTnLst>
+                                </p:cTn>
+                              </p:par>
+                            </p:childTnLst>
+                          </p:cTn>
+                        </p:par>
+                      </p:childTnLst>
+                    </p:cTn>
+                  </p:par>
+                  <p:par>
+                    <p:cTn id="43" fill="hold">
+                      <p:stCondLst>
+                        <p:cond delay="indefinite"/>
+                      </p:stCondLst>
+                      <p:childTnLst>
+                        <p:par>
+                          <p:cTn id="44" fill="hold">
+                            <p:stCondLst>
+                              <p:cond delay="0"/>
+                            </p:stCondLst>
+                            <p:childTnLst>
+                              <p:par>
+                                <p:cTn id="45" presetID="10" presetClass="entr" presetSubtype="0" fill="hold" grpId="0" nodeType="clickEffect">
+                                  <p:stCondLst>
+                                    <p:cond delay="0"/>
+                                  </p:stCondLst>
+                                  <p:childTnLst>
+                                    <p:set>
+                                      <p:cBhvr>
+                                        <p:cTn id="46" dur="1" fill="hold">
+                                          <p:stCondLst>
+                                            <p:cond delay="0"/>
+                                          </p:stCondLst>
+                                        </p:cTn>
+                                        <p:tgtEl>
+                                          <p:spTgt spid="3">
+                                            <p:txEl>
+                                              <p:pRg st="8" end="8"/>
+                                            </p:txEl>
+                                          </p:spTgt>
+                                        </p:tgtEl>
+                                        <p:attrNameLst>
+                                          <p:attrName>style.visibility</p:attrName>
+                                        </p:attrNameLst>
+                                      </p:cBhvr>
+                                      <p:to>
+                                        <p:strVal val="visible"/>
+                                      </p:to>
+                                    </p:set>
+                                    <p:animEffect transition="in" filter="fade">
+                                      <p:cBhvr>
+                                        <p:cTn id="47" dur="500"/>
+                                        <p:tgtEl>
+                                          <p:spTgt spid="3">
+                                            <p:txEl>
+                                              <p:pRg st="8" end="8"/>
+                                            </p:txEl>
+                                          </p:spTgt>
+                                        </p:tgtEl>
+                                      </p:cBhvr>
+                                    </p:animEffect>
+                                  </p:childTnLst>
+                                </p:cTn>
+                              </p:par>
+                            </p:childTnLst>
+                          </p:cTn>
+                        </p:par>
+                      </p:childTnLst>
+                    </p:cTn>
+                  </p:par>
+                  <p:par>
+                    <p:cTn id="48" fill="hold">
+                      <p:stCondLst>
+                        <p:cond delay="indefinite"/>
+                      </p:stCondLst>
+                      <p:childTnLst>
+                        <p:par>
+                          <p:cTn id="49" fill="hold">
+                            <p:stCondLst>
+                              <p:cond delay="0"/>
+                            </p:stCondLst>
+                            <p:childTnLst>
+                              <p:par>
+                                <p:cTn id="50" presetID="10" presetClass="entr" presetSubtype="0" fill="hold" grpId="0" nodeType="clickEffect">
+                                  <p:stCondLst>
+                                    <p:cond delay="0"/>
+                                  </p:stCondLst>
+                                  <p:childTnLst>
+                                    <p:set>
+                                      <p:cBhvr>
+                                        <p:cTn id="51" dur="1" fill="hold">
+                                          <p:stCondLst>
+                                            <p:cond delay="0"/>
+                                          </p:stCondLst>
+                                        </p:cTn>
+                                        <p:tgtEl>
+                                          <p:spTgt spid="3">
+                                            <p:txEl>
+                                              <p:pRg st="9" end="9"/>
+                                            </p:txEl>
+                                          </p:spTgt>
+                                        </p:tgtEl>
+                                        <p:attrNameLst>
+                                          <p:attrName>style.visibility</p:attrName>
+                                        </p:attrNameLst>
+                                      </p:cBhvr>
+                                      <p:to>
+                                        <p:strVal val="visible"/>
+                                      </p:to>
+                                    </p:set>
+                                    <p:animEffect transition="in" filter="fade">
+                                      <p:cBhvr>
+                                        <p:cTn id="52" dur="500"/>
+                                        <p:tgtEl>
+                                          <p:spTgt spid="3">
+                                            <p:txEl>
+                                              <p:pRg st="9" end="9"/>
+                                            </p:txEl>
+                                          </p:spTgt>
+                                        </p:tgtEl>
+                                      </p:cBhvr>
+                                    </p:animEffect>
+                                  </p:childTnLst>
+                                </p:cTn>
+                              </p:par>
+                            </p:childTnLst>
+                          </p:cTn>
+                        </p:par>
+                      </p:childTnLst>
+                    </p:cTn>
+                  </p:par>
+                  <p:par>
+                    <p:cTn id="53" fill="hold">
+                      <p:stCondLst>
+                        <p:cond delay="indefinite"/>
+                      </p:stCondLst>
+                      <p:childTnLst>
+                        <p:par>
+                          <p:cTn id="54" fill="hold">
+                            <p:stCondLst>
+                              <p:cond delay="0"/>
+                            </p:stCondLst>
+                            <p:childTnLst>
+                              <p:par>
+                                <p:cTn id="55" presetID="10" presetClass="entr" presetSubtype="0" fill="hold" grpId="0" nodeType="clickEffect">
+                                  <p:stCondLst>
+                                    <p:cond delay="0"/>
+                                  </p:stCondLst>
+                                  <p:childTnLst>
+                                    <p:set>
+                                      <p:cBhvr>
+                                        <p:cTn id="56" dur="1" fill="hold">
+                                          <p:stCondLst>
+                                            <p:cond delay="0"/>
+                                          </p:stCondLst>
+                                        </p:cTn>
+                                        <p:tgtEl>
+                                          <p:spTgt spid="3">
+                                            <p:txEl>
+                                              <p:pRg st="10" end="10"/>
+                                            </p:txEl>
+                                          </p:spTgt>
+                                        </p:tgtEl>
+                                        <p:attrNameLst>
+                                          <p:attrName>style.visibility</p:attrName>
+                                        </p:attrNameLst>
+                                      </p:cBhvr>
+                                      <p:to>
+                                        <p:strVal val="visible"/>
+                                      </p:to>
+                                    </p:set>
+                                    <p:animEffect transition="in" filter="fade">
+                                      <p:cBhvr>
+                                        <p:cTn id="57" dur="500"/>
+                                        <p:tgtEl>
+                                          <p:spTgt spid="3">
+                                            <p:txEl>
+                                              <p:pRg st="10" end="10"/>
+                                            </p:txEl>
+                                          </p:spTgt>
                                         </p:tgtEl>
                                       </p:cBhvr>
                                     </p:animEffect>
@@ -6844,7 +7475,7 @@
       </p:par>
     </p:tnLst>
     <p:bldLst>
-      <p:bldP spid="2" grpId="0"/>
+      <p:bldP spid="3" grpId="0" build="p"/>
     </p:bldLst>
   </p:timing>
 </p:sld>
@@ -6894,6 +7525,7 @@
                     <a:lumMod val="75000"/>
                   </a:schemeClr>
                 </a:solidFill>
+                <a:latin typeface="Agency FB" panose="020B0503020202020204" pitchFamily="34" charset="0"/>
               </a:rPr>
               <a:t>A cigaretta legnagyobb kártevési oka</a:t>
             </a:r>
@@ -6903,6 +7535,7 @@
                   <a:lumMod val="75000"/>
                 </a:schemeClr>
               </a:solidFill>
+              <a:latin typeface="Agency FB" panose="020B0503020202020204" pitchFamily="34" charset="0"/>
             </a:endParaRPr>
           </a:p>
         </p:txBody>
@@ -6926,7 +7559,9 @@
               <a:buNone/>
             </a:pPr>
             <a:r>
-              <a:rPr lang="hu-HU" dirty="0" smtClean="0"/>
+              <a:rPr lang="hu-HU" dirty="0" smtClean="0">
+                <a:latin typeface="Agency FB" panose="020B0503020202020204" pitchFamily="34" charset="0"/>
+              </a:rPr>
               <a:t>A cigaretta függőség vetélkedik a rendszeres alkoholfogyasztók számával.</a:t>
             </a:r>
           </a:p>
@@ -6935,10 +7570,14 @@
               <a:buNone/>
             </a:pPr>
             <a:r>
-              <a:rPr lang="hu-HU" dirty="0" smtClean="0"/>
+              <a:rPr lang="hu-HU" dirty="0" smtClean="0">
+                <a:latin typeface="Agency FB" panose="020B0503020202020204" pitchFamily="34" charset="0"/>
+              </a:rPr>
               <a:t>Minden egyes cigi után, az emberek 90%-a csak egyre és egyre jobban kívánja a lehetőséget a következő rágyújtásra, olyan szinten hogy ez rövid idő alatt legalább napi 20 szál cigiig fajulhat.</a:t>
             </a:r>
-            <a:endParaRPr lang="hu-HU" dirty="0"/>
+            <a:endParaRPr lang="hu-HU" dirty="0">
+              <a:latin typeface="Agency FB" panose="020B0503020202020204" pitchFamily="34" charset="0"/>
+            </a:endParaRPr>
           </a:p>
         </p:txBody>
       </p:sp>
@@ -6982,13 +7621,13 @@
   <p:clrMapOvr>
     <a:masterClrMapping/>
   </p:clrMapOvr>
-  <mc:AlternateContent xmlns:mc="http://schemas.openxmlformats.org/markup-compatibility/2006">
-    <mc:Choice xmlns:p15="http://schemas.microsoft.com/office/powerpoint/2012/main" Requires="p15">
+  <mc:AlternateContent xmlns:mc="http://schemas.openxmlformats.org/markup-compatibility/2006" xmlns:p15="http://schemas.microsoft.com/office/powerpoint/2012/main">
+    <mc:Choice Requires="p15">
       <p:transition xmlns:p14="http://schemas.microsoft.com/office/powerpoint/2010/main" spd="slow" p14:dur="1250">
         <p15:prstTrans prst="pageCurlDouble"/>
       </p:transition>
     </mc:Choice>
-    <mc:Fallback>
+    <mc:Fallback xmlns="">
       <p:transition spd="slow">
         <p:fade/>
       </p:transition>
@@ -7028,7 +7667,11 @@
                                           </p:stCondLst>
                                         </p:cTn>
                                         <p:tgtEl>
-                                          <p:spTgt spid="2"/>
+                                          <p:spTgt spid="3">
+                                            <p:txEl>
+                                              <p:pRg st="0" end="0"/>
+                                            </p:txEl>
+                                          </p:spTgt>
                                         </p:tgtEl>
                                         <p:attrNameLst>
                                           <p:attrName>style.visibility</p:attrName>
@@ -7042,28 +7685,54 @@
                                       <p:cBhvr>
                                         <p:cTn id="7" dur="500"/>
                                         <p:tgtEl>
-                                          <p:spTgt spid="2"/>
+                                          <p:spTgt spid="3">
+                                            <p:txEl>
+                                              <p:pRg st="0" end="0"/>
+                                            </p:txEl>
+                                          </p:spTgt>
                                         </p:tgtEl>
                                       </p:cBhvr>
                                     </p:animEffect>
                                   </p:childTnLst>
                                 </p:cTn>
                               </p:par>
+                            </p:childTnLst>
+                          </p:cTn>
+                        </p:par>
+                      </p:childTnLst>
+                    </p:cTn>
+                  </p:par>
+                  <p:par>
+                    <p:cTn id="8" fill="hold">
+                      <p:stCondLst>
+                        <p:cond delay="indefinite"/>
+                      </p:stCondLst>
+                      <p:childTnLst>
+                        <p:par>
+                          <p:cTn id="9" fill="hold">
+                            <p:stCondLst>
+                              <p:cond delay="0"/>
+                            </p:stCondLst>
+                            <p:childTnLst>
                               <p:par>
-                                <p:cTn id="8" presetID="10" presetClass="entr" presetSubtype="0" fill="hold" nodeType="withEffect">
+                                <p:cTn id="10" presetID="10" presetClass="entr" presetSubtype="0" fill="hold" grpId="0" nodeType="clickEffect">
                                   <p:stCondLst>
                                     <p:cond delay="0"/>
                                   </p:stCondLst>
                                   <p:childTnLst>
                                     <p:set>
                                       <p:cBhvr>
-                                        <p:cTn id="9" dur="1" fill="hold">
+                                        <p:cTn id="11" dur="1" fill="hold">
                                           <p:stCondLst>
                                             <p:cond delay="0"/>
                                           </p:stCondLst>
                                         </p:cTn>
                                         <p:tgtEl>
-                                          <p:spTgt spid="4"/>
+                                          <p:spTgt spid="3">
+                                            <p:txEl>
+                                              <p:pRg st="1" end="1"/>
+                                            </p:txEl>
+                                          </p:spTgt>
                                         </p:tgtEl>
                                         <p:attrNameLst>
                                           <p:attrName>style.visibility</p:attrName>
@@ -7075,9 +7744,13 @@
                                     </p:set>
                                     <p:animEffect transition="in" filter="fade">
                                       <p:cBhvr>
-                                        <p:cTn id="10" dur="500"/>
+                                        <p:cTn id="12" dur="500"/>
                                         <p:tgtEl>
-                                          <p:spTgt spid="4"/>
+                                          <p:spTgt spid="3">
+                                            <p:txEl>
+                                              <p:pRg st="1" end="1"/>
+                                            </p:txEl>
+                                          </p:spTgt>
                                         </p:tgtEl>
                                       </p:cBhvr>
                                     </p:animEffect>
@@ -7112,7 +7785,7 @@
       </p:par>
     </p:tnLst>
     <p:bldLst>
-      <p:bldP spid="2" grpId="0"/>
+      <p:bldP spid="3" grpId="0" build="p"/>
     </p:bldLst>
   </p:timing>
 </p:sld>
@@ -7162,6 +7835,7 @@
                     <a:lumMod val="75000"/>
                   </a:schemeClr>
                 </a:solidFill>
+                <a:latin typeface="Agency FB" panose="020B0503020202020204" pitchFamily="34" charset="0"/>
               </a:rPr>
               <a:t>További cigaretta érdekességek</a:t>
             </a:r>
@@ -7171,6 +7845,7 @@
                   <a:lumMod val="75000"/>
                 </a:schemeClr>
               </a:solidFill>
+              <a:latin typeface="Agency FB" panose="020B0503020202020204" pitchFamily="34" charset="0"/>
             </a:endParaRPr>
           </a:p>
         </p:txBody>
@@ -7199,203 +7874,291 @@
           <a:p>
             <a:pPr algn="ctr"/>
             <a:r>
-              <a:rPr lang="hu-HU" sz="1600" dirty="0"/>
+              <a:rPr lang="hu-HU" sz="1600" dirty="0">
+                <a:latin typeface="Agency FB" panose="020B0503020202020204" pitchFamily="34" charset="0"/>
+              </a:rPr>
               <a:t>A  </a:t>
             </a:r>
             <a:r>
-              <a:rPr lang="hu-HU" sz="1600" u="sng" dirty="0"/>
+              <a:rPr lang="hu-HU" sz="1600" u="sng" dirty="0">
+                <a:latin typeface="Agency FB" panose="020B0503020202020204" pitchFamily="34" charset="0"/>
+              </a:rPr>
               <a:t>dohányzás ártalmasságát </a:t>
             </a:r>
             <a:r>
-              <a:rPr lang="hu-HU" sz="1600" dirty="0"/>
+              <a:rPr lang="hu-HU" sz="1600" dirty="0">
+                <a:latin typeface="Agency FB" panose="020B0503020202020204" pitchFamily="34" charset="0"/>
+              </a:rPr>
               <a:t>minden más </a:t>
             </a:r>
             <a:r>
-              <a:rPr lang="hu-HU" sz="1600" b="1" dirty="0"/>
+              <a:rPr lang="hu-HU" sz="1600" b="1" dirty="0">
+                <a:latin typeface="Agency FB" panose="020B0503020202020204" pitchFamily="34" charset="0"/>
+              </a:rPr>
               <a:t>rizikófaktornál</a:t>
             </a:r>
             <a:r>
-              <a:rPr lang="hu-HU" sz="1600" dirty="0"/>
+              <a:rPr lang="hu-HU" sz="1600" dirty="0">
+                <a:latin typeface="Agency FB" panose="020B0503020202020204" pitchFamily="34" charset="0"/>
+              </a:rPr>
               <a:t> jobban bizonyították, és az általa okozott egészségkárosodás minden más ártalmas élvezeti szer jelentőségét meghaladja.</a:t>
             </a:r>
           </a:p>
           <a:p>
             <a:pPr algn="ctr"/>
             <a:r>
-              <a:rPr lang="hu-HU" sz="1600" dirty="0"/>
+              <a:rPr lang="hu-HU" sz="1600" dirty="0">
+                <a:latin typeface="Agency FB" panose="020B0503020202020204" pitchFamily="34" charset="0"/>
+              </a:rPr>
               <a:t>A dohányzás káros hatásai </a:t>
             </a:r>
             <a:r>
-              <a:rPr lang="hu-HU" sz="1600" b="1" dirty="0"/>
+              <a:rPr lang="hu-HU" sz="1600" b="1" dirty="0">
+                <a:latin typeface="Agency FB" panose="020B0503020202020204" pitchFamily="34" charset="0"/>
+              </a:rPr>
               <a:t>három fő forrásra </a:t>
             </a:r>
             <a:r>
-              <a:rPr lang="hu-HU" sz="1600" dirty="0"/>
+              <a:rPr lang="hu-HU" sz="1600" dirty="0">
+                <a:latin typeface="Agency FB" panose="020B0503020202020204" pitchFamily="34" charset="0"/>
+              </a:rPr>
               <a:t>vezethetők vissza: a </a:t>
             </a:r>
             <a:r>
-              <a:rPr lang="hu-HU" sz="1600" b="1" dirty="0" err="1"/>
+              <a:rPr lang="hu-HU" sz="1600" b="1" dirty="0" err="1">
+                <a:latin typeface="Agency FB" panose="020B0503020202020204" pitchFamily="34" charset="0"/>
+              </a:rPr>
               <a:t>hőhatárasra</a:t>
             </a:r>
             <a:r>
-              <a:rPr lang="hu-HU" sz="1600" dirty="0"/>
+              <a:rPr lang="hu-HU" sz="1600" dirty="0">
+                <a:latin typeface="Agency FB" panose="020B0503020202020204" pitchFamily="34" charset="0"/>
+              </a:rPr>
               <a:t>, </a:t>
             </a:r>
             <a:r>
-              <a:rPr lang="hu-HU" sz="1600" dirty="0" err="1"/>
+              <a:rPr lang="hu-HU" sz="1600" dirty="0" err="1">
+                <a:latin typeface="Agency FB" panose="020B0503020202020204" pitchFamily="34" charset="0"/>
+              </a:rPr>
               <a:t>a</a:t>
             </a:r>
             <a:r>
-              <a:rPr lang="hu-HU" sz="1600" dirty="0"/>
+              <a:rPr lang="hu-HU" sz="1600" dirty="0">
+                <a:latin typeface="Agency FB" panose="020B0503020202020204" pitchFamily="34" charset="0"/>
+              </a:rPr>
               <a:t> </a:t>
             </a:r>
             <a:r>
-              <a:rPr lang="hu-HU" sz="1600" b="1" dirty="0"/>
+              <a:rPr lang="hu-HU" sz="1600" b="1" dirty="0">
+                <a:latin typeface="Agency FB" panose="020B0503020202020204" pitchFamily="34" charset="0"/>
+              </a:rPr>
               <a:t>mechanikus hatásra </a:t>
             </a:r>
             <a:r>
-              <a:rPr lang="hu-HU" sz="1600" dirty="0"/>
+              <a:rPr lang="hu-HU" sz="1600" dirty="0">
+                <a:latin typeface="Agency FB" panose="020B0503020202020204" pitchFamily="34" charset="0"/>
+              </a:rPr>
               <a:t>(pipázásnál) és a </a:t>
             </a:r>
             <a:r>
-              <a:rPr lang="hu-HU" sz="1600" b="1" dirty="0"/>
+              <a:rPr lang="hu-HU" sz="1600" b="1" dirty="0">
+                <a:latin typeface="Agency FB" panose="020B0503020202020204" pitchFamily="34" charset="0"/>
+              </a:rPr>
               <a:t>kátrányszármazékok</a:t>
             </a:r>
             <a:r>
-              <a:rPr lang="hu-HU" sz="1600" dirty="0"/>
+              <a:rPr lang="hu-HU" sz="1600" dirty="0">
+                <a:latin typeface="Agency FB" panose="020B0503020202020204" pitchFamily="34" charset="0"/>
+              </a:rPr>
               <a:t> káros hatására (ez utóbbi a cigarettapapír égéséből ered).</a:t>
             </a:r>
           </a:p>
           <a:p>
             <a:pPr algn="ctr"/>
             <a:r>
-              <a:rPr lang="hu-HU" sz="1700" dirty="0"/>
+              <a:rPr lang="hu-HU" sz="1700" dirty="0">
+                <a:latin typeface="Agency FB" panose="020B0503020202020204" pitchFamily="34" charset="0"/>
+              </a:rPr>
               <a:t>Az ártalmak közül a legveszélyesebb betegség csoport a </a:t>
             </a:r>
             <a:r>
               <a:rPr lang="hu-HU" sz="1700" b="1" dirty="0">
+                <a:latin typeface="Agency FB" panose="020B0503020202020204" pitchFamily="34" charset="0"/>
                 <a:hlinkClick r:id="rId2" tooltip="rák daganat rekedtség tumor metasztázis áttét fulladás vitamin infúziós kezelés"/>
               </a:rPr>
               <a:t>rák</a:t>
             </a:r>
             <a:r>
-              <a:rPr lang="hu-HU" sz="1700" dirty="0"/>
+              <a:rPr lang="hu-HU" sz="1700" dirty="0">
+                <a:latin typeface="Agency FB" panose="020B0503020202020204" pitchFamily="34" charset="0"/>
+              </a:rPr>
               <a:t>.</a:t>
             </a:r>
           </a:p>
           <a:p>
             <a:pPr algn="ctr"/>
             <a:r>
-              <a:rPr lang="hu-HU" sz="1700" dirty="0"/>
+              <a:rPr lang="hu-HU" sz="1700" dirty="0">
+                <a:latin typeface="Agency FB" panose="020B0503020202020204" pitchFamily="34" charset="0"/>
+              </a:rPr>
               <a:t>A dohányzás okozhat </a:t>
             </a:r>
             <a:r>
-              <a:rPr lang="hu-HU" sz="1700" b="1" dirty="0"/>
+              <a:rPr lang="hu-HU" sz="1700" b="1" dirty="0">
+                <a:latin typeface="Agency FB" panose="020B0503020202020204" pitchFamily="34" charset="0"/>
+              </a:rPr>
               <a:t>ajakrák</a:t>
             </a:r>
             <a:r>
-              <a:rPr lang="hu-HU" sz="1700" dirty="0"/>
+              <a:rPr lang="hu-HU" sz="1700" dirty="0">
+                <a:latin typeface="Agency FB" panose="020B0503020202020204" pitchFamily="34" charset="0"/>
+              </a:rPr>
               <a:t>, </a:t>
             </a:r>
             <a:r>
-              <a:rPr lang="hu-HU" sz="1700" b="1" dirty="0"/>
+              <a:rPr lang="hu-HU" sz="1700" b="1" dirty="0">
+                <a:latin typeface="Agency FB" panose="020B0503020202020204" pitchFamily="34" charset="0"/>
+              </a:rPr>
               <a:t>szájüregrák</a:t>
             </a:r>
             <a:r>
-              <a:rPr lang="hu-HU" sz="1700" dirty="0"/>
+              <a:rPr lang="hu-HU" sz="1700" dirty="0">
+                <a:latin typeface="Agency FB" panose="020B0503020202020204" pitchFamily="34" charset="0"/>
+              </a:rPr>
               <a:t>, </a:t>
             </a:r>
             <a:r>
-              <a:rPr lang="hu-HU" sz="1700" b="1" dirty="0"/>
+              <a:rPr lang="hu-HU" sz="1700" b="1" dirty="0">
+                <a:latin typeface="Agency FB" panose="020B0503020202020204" pitchFamily="34" charset="0"/>
+              </a:rPr>
               <a:t>nyelvrák</a:t>
             </a:r>
             <a:r>
-              <a:rPr lang="hu-HU" sz="1700" dirty="0"/>
+              <a:rPr lang="hu-HU" sz="1700" dirty="0">
+                <a:latin typeface="Agency FB" panose="020B0503020202020204" pitchFamily="34" charset="0"/>
+              </a:rPr>
               <a:t>, </a:t>
             </a:r>
             <a:r>
               <a:rPr lang="hu-HU" sz="1700" b="1" dirty="0">
+                <a:latin typeface="Agency FB" panose="020B0503020202020204" pitchFamily="34" charset="0"/>
                 <a:hlinkClick r:id="rId3" tooltip="Gégerák tumor gége daganat vitamin infúziós kezelés metasztázis dohányzás áttét rekedtség fulladás"/>
               </a:rPr>
               <a:t>gégerák</a:t>
             </a:r>
             <a:r>
-              <a:rPr lang="hu-HU" sz="1700" dirty="0"/>
+              <a:rPr lang="hu-HU" sz="1700" dirty="0">
+                <a:latin typeface="Agency FB" panose="020B0503020202020204" pitchFamily="34" charset="0"/>
+              </a:rPr>
               <a:t>, garatrák,  valamint </a:t>
             </a:r>
             <a:r>
-              <a:rPr lang="hu-HU" sz="1700" b="1" dirty="0"/>
+              <a:rPr lang="hu-HU" sz="1700" b="1" dirty="0">
+                <a:latin typeface="Agency FB" panose="020B0503020202020204" pitchFamily="34" charset="0"/>
+              </a:rPr>
               <a:t>nyelőcsőráko</a:t>
             </a:r>
             <a:r>
-              <a:rPr lang="hu-HU" sz="1700" dirty="0"/>
+              <a:rPr lang="hu-HU" sz="1700" dirty="0">
+                <a:latin typeface="Agency FB" panose="020B0503020202020204" pitchFamily="34" charset="0"/>
+              </a:rPr>
               <a:t>t, mivel a dohányfüst a </a:t>
             </a:r>
             <a:r>
-              <a:rPr lang="hu-HU" sz="1700" b="1" dirty="0"/>
+              <a:rPr lang="hu-HU" sz="1700" b="1" dirty="0">
+                <a:latin typeface="Agency FB" panose="020B0503020202020204" pitchFamily="34" charset="0"/>
+              </a:rPr>
               <a:t>légzőszervrendszer </a:t>
             </a:r>
             <a:r>
-              <a:rPr lang="hu-HU" sz="1700" dirty="0"/>
+              <a:rPr lang="hu-HU" sz="1700" dirty="0">
+                <a:latin typeface="Agency FB" panose="020B0503020202020204" pitchFamily="34" charset="0"/>
+              </a:rPr>
               <a:t>minden részére eljut.</a:t>
             </a:r>
           </a:p>
           <a:p>
             <a:pPr algn="ctr"/>
             <a:r>
-              <a:rPr lang="hu-HU" sz="1700" dirty="0"/>
+              <a:rPr lang="hu-HU" sz="1700" dirty="0">
+                <a:latin typeface="Agency FB" panose="020B0503020202020204" pitchFamily="34" charset="0"/>
+              </a:rPr>
               <a:t>Ugyanezen ok miatt alakulhat ki </a:t>
             </a:r>
             <a:r>
-              <a:rPr lang="hu-HU" sz="1700" b="1" dirty="0"/>
+              <a:rPr lang="hu-HU" sz="1700" b="1" dirty="0">
+                <a:latin typeface="Agency FB" panose="020B0503020202020204" pitchFamily="34" charset="0"/>
+              </a:rPr>
               <a:t>tüdőrák</a:t>
             </a:r>
             <a:r>
-              <a:rPr lang="hu-HU" sz="1700" dirty="0"/>
+              <a:rPr lang="hu-HU" sz="1700" dirty="0">
+                <a:latin typeface="Agency FB" panose="020B0503020202020204" pitchFamily="34" charset="0"/>
+              </a:rPr>
               <a:t>, </a:t>
             </a:r>
             <a:r>
-              <a:rPr lang="hu-HU" sz="1700" b="1" dirty="0"/>
+              <a:rPr lang="hu-HU" sz="1700" b="1" dirty="0">
+                <a:latin typeface="Agency FB" panose="020B0503020202020204" pitchFamily="34" charset="0"/>
+              </a:rPr>
               <a:t>légcsőrák</a:t>
             </a:r>
             <a:r>
-              <a:rPr lang="hu-HU" sz="1700" dirty="0"/>
+              <a:rPr lang="hu-HU" sz="1700" dirty="0">
+                <a:latin typeface="Agency FB" panose="020B0503020202020204" pitchFamily="34" charset="0"/>
+              </a:rPr>
               <a:t> és </a:t>
             </a:r>
             <a:r>
-              <a:rPr lang="hu-HU" sz="1700" b="1" dirty="0"/>
+              <a:rPr lang="hu-HU" sz="1700" b="1" dirty="0">
+                <a:latin typeface="Agency FB" panose="020B0503020202020204" pitchFamily="34" charset="0"/>
+              </a:rPr>
               <a:t>hörgőrák</a:t>
             </a:r>
             <a:r>
-              <a:rPr lang="hu-HU" sz="1700" dirty="0"/>
+              <a:rPr lang="hu-HU" sz="1700" dirty="0">
+                <a:latin typeface="Agency FB" panose="020B0503020202020204" pitchFamily="34" charset="0"/>
+              </a:rPr>
               <a:t> is.</a:t>
             </a:r>
           </a:p>
           <a:p>
             <a:pPr algn="ctr"/>
             <a:r>
-              <a:rPr lang="hu-HU" sz="1700" dirty="0"/>
+              <a:rPr lang="hu-HU" sz="1700" dirty="0">
+                <a:latin typeface="Agency FB" panose="020B0503020202020204" pitchFamily="34" charset="0"/>
+              </a:rPr>
               <a:t>A dohány élvezete a nikotintartalom miatt </a:t>
             </a:r>
             <a:r>
-              <a:rPr lang="hu-HU" sz="1700" b="1" dirty="0"/>
+              <a:rPr lang="hu-HU" sz="1700" b="1" dirty="0">
+                <a:latin typeface="Agency FB" panose="020B0503020202020204" pitchFamily="34" charset="0"/>
+              </a:rPr>
               <a:t>hasnyálmirigyrák</a:t>
             </a:r>
             <a:r>
-              <a:rPr lang="hu-HU" sz="1700" dirty="0"/>
+              <a:rPr lang="hu-HU" sz="1700" dirty="0">
+                <a:latin typeface="Agency FB" panose="020B0503020202020204" pitchFamily="34" charset="0"/>
+              </a:rPr>
               <a:t> és</a:t>
             </a:r>
             <a:r>
-              <a:rPr lang="hu-HU" sz="1700" b="1" dirty="0"/>
+              <a:rPr lang="hu-HU" sz="1700" b="1" dirty="0">
+                <a:latin typeface="Agency FB" panose="020B0503020202020204" pitchFamily="34" charset="0"/>
+              </a:rPr>
               <a:t> veserák </a:t>
             </a:r>
             <a:r>
-              <a:rPr lang="hu-HU" sz="1700" dirty="0"/>
+              <a:rPr lang="hu-HU" sz="1700" dirty="0">
+                <a:latin typeface="Agency FB" panose="020B0503020202020204" pitchFamily="34" charset="0"/>
+              </a:rPr>
               <a:t>oka is lehet. </a:t>
             </a:r>
           </a:p>
           <a:p>
-            <a:endParaRPr lang="hu-HU" dirty="0"/>
+            <a:endParaRPr lang="hu-HU" dirty="0">
+              <a:latin typeface="Agency FB" panose="020B0503020202020204" pitchFamily="34" charset="0"/>
+            </a:endParaRPr>
           </a:p>
         </p:txBody>
       </p:sp>
@@ -7409,13 +8172,13 @@
   <p:clrMapOvr>
     <a:masterClrMapping/>
   </p:clrMapOvr>
-  <mc:AlternateContent xmlns:mc="http://schemas.openxmlformats.org/markup-compatibility/2006">
-    <mc:Choice xmlns:p15="http://schemas.microsoft.com/office/powerpoint/2012/main" Requires="p15">
+  <mc:AlternateContent xmlns:mc="http://schemas.openxmlformats.org/markup-compatibility/2006" xmlns:p15="http://schemas.microsoft.com/office/powerpoint/2012/main">
+    <mc:Choice Requires="p15">
       <p:transition xmlns:p14="http://schemas.microsoft.com/office/powerpoint/2010/main" spd="slow" p14:dur="1250">
         <p15:prstTrans prst="pageCurlDouble"/>
       </p:transition>
     </mc:Choice>
-    <mc:Fallback>
+    <mc:Fallback xmlns="">
       <p:transition spd="slow">
         <p:fade/>
       </p:transition>
@@ -7455,7 +8218,11 @@
                                           </p:stCondLst>
                                         </p:cTn>
                                         <p:tgtEl>
-                                          <p:spTgt spid="2"/>
+                                          <p:spTgt spid="3">
+                                            <p:txEl>
+                                              <p:pRg st="0" end="0"/>
+                                            </p:txEl>
+                                          </p:spTgt>
                                         </p:tgtEl>
                                         <p:attrNameLst>
                                           <p:attrName>style.visibility</p:attrName>
@@ -7469,7 +8236,316 @@
                                       <p:cBhvr>
                                         <p:cTn id="7" dur="500"/>
                                         <p:tgtEl>
-                                          <p:spTgt spid="2"/>
+                                          <p:spTgt spid="3">
+                                            <p:txEl>
+                                              <p:pRg st="0" end="0"/>
+                                            </p:txEl>
+                                          </p:spTgt>
+                                        </p:tgtEl>
+                                      </p:cBhvr>
+                                    </p:animEffect>
+                                  </p:childTnLst>
+                                </p:cTn>
+                              </p:par>
+                            </p:childTnLst>
+                          </p:cTn>
+                        </p:par>
+                      </p:childTnLst>
+                    </p:cTn>
+                  </p:par>
+                  <p:par>
+                    <p:cTn id="8" fill="hold">
+                      <p:stCondLst>
+                        <p:cond delay="indefinite"/>
+                      </p:stCondLst>
+                      <p:childTnLst>
+                        <p:par>
+                          <p:cTn id="9" fill="hold">
+                            <p:stCondLst>
+                              <p:cond delay="0"/>
+                            </p:stCondLst>
+                            <p:childTnLst>
+                              <p:par>
+                                <p:cTn id="10" presetID="10" presetClass="entr" presetSubtype="0" fill="hold" grpId="0" nodeType="clickEffect">
+                                  <p:stCondLst>
+                                    <p:cond delay="0"/>
+                                  </p:stCondLst>
+                                  <p:childTnLst>
+                                    <p:set>
+                                      <p:cBhvr>
+                                        <p:cTn id="11" dur="1" fill="hold">
+                                          <p:stCondLst>
+                                            <p:cond delay="0"/>
+                                          </p:stCondLst>
+                                        </p:cTn>
+                                        <p:tgtEl>
+                                          <p:spTgt spid="3">
+                                            <p:txEl>
+                                              <p:pRg st="1" end="1"/>
+                                            </p:txEl>
+                                          </p:spTgt>
+                                        </p:tgtEl>
+                                        <p:attrNameLst>
+                                          <p:attrName>style.visibility</p:attrName>
+                                        </p:attrNameLst>
+                                      </p:cBhvr>
+                                      <p:to>
+                                        <p:strVal val="visible"/>
+                                      </p:to>
+                                    </p:set>
+                                    <p:animEffect transition="in" filter="fade">
+                                      <p:cBhvr>
+                                        <p:cTn id="12" dur="500"/>
+                                        <p:tgtEl>
+                                          <p:spTgt spid="3">
+                                            <p:txEl>
+                                              <p:pRg st="1" end="1"/>
+                                            </p:txEl>
+                                          </p:spTgt>
+                                        </p:tgtEl>
+                                      </p:cBhvr>
+                                    </p:animEffect>
+                                  </p:childTnLst>
+                                </p:cTn>
+                              </p:par>
+                            </p:childTnLst>
+                          </p:cTn>
+                        </p:par>
+                      </p:childTnLst>
+                    </p:cTn>
+                  </p:par>
+                  <p:par>
+                    <p:cTn id="13" fill="hold">
+                      <p:stCondLst>
+                        <p:cond delay="indefinite"/>
+                      </p:stCondLst>
+                      <p:childTnLst>
+                        <p:par>
+                          <p:cTn id="14" fill="hold">
+                            <p:stCondLst>
+                              <p:cond delay="0"/>
+                            </p:stCondLst>
+                            <p:childTnLst>
+                              <p:par>
+                                <p:cTn id="15" presetID="10" presetClass="entr" presetSubtype="0" fill="hold" grpId="0" nodeType="clickEffect">
+                                  <p:stCondLst>
+                                    <p:cond delay="0"/>
+                                  </p:stCondLst>
+                                  <p:childTnLst>
+                                    <p:set>
+                                      <p:cBhvr>
+                                        <p:cTn id="16" dur="1" fill="hold">
+                                          <p:stCondLst>
+                                            <p:cond delay="0"/>
+                                          </p:stCondLst>
+                                        </p:cTn>
+                                        <p:tgtEl>
+                                          <p:spTgt spid="3">
+                                            <p:txEl>
+                                              <p:pRg st="2" end="2"/>
+                                            </p:txEl>
+                                          </p:spTgt>
+                                        </p:tgtEl>
+                                        <p:attrNameLst>
+                                          <p:attrName>style.visibility</p:attrName>
+                                        </p:attrNameLst>
+                                      </p:cBhvr>
+                                      <p:to>
+                                        <p:strVal val="visible"/>
+                                      </p:to>
+                                    </p:set>
+                                    <p:animEffect transition="in" filter="fade">
+                                      <p:cBhvr>
+                                        <p:cTn id="17" dur="500"/>
+                                        <p:tgtEl>
+                                          <p:spTgt spid="3">
+                                            <p:txEl>
+                                              <p:pRg st="2" end="2"/>
+                                            </p:txEl>
+                                          </p:spTgt>
+                                        </p:tgtEl>
+                                      </p:cBhvr>
+                                    </p:animEffect>
+                                  </p:childTnLst>
+                                </p:cTn>
+                              </p:par>
+                            </p:childTnLst>
+                          </p:cTn>
+                        </p:par>
+                      </p:childTnLst>
+                    </p:cTn>
+                  </p:par>
+                  <p:par>
+                    <p:cTn id="18" fill="hold">
+                      <p:stCondLst>
+                        <p:cond delay="indefinite"/>
+                      </p:stCondLst>
+                      <p:childTnLst>
+                        <p:par>
+                          <p:cTn id="19" fill="hold">
+                            <p:stCondLst>
+                              <p:cond delay="0"/>
+                            </p:stCondLst>
+                            <p:childTnLst>
+                              <p:par>
+                                <p:cTn id="20" presetID="10" presetClass="entr" presetSubtype="0" fill="hold" grpId="0" nodeType="clickEffect">
+                                  <p:stCondLst>
+                                    <p:cond delay="0"/>
+                                  </p:stCondLst>
+                                  <p:childTnLst>
+                                    <p:set>
+                                      <p:cBhvr>
+                                        <p:cTn id="21" dur="1" fill="hold">
+                                          <p:stCondLst>
+                                            <p:cond delay="0"/>
+                                          </p:stCondLst>
+                                        </p:cTn>
+                                        <p:tgtEl>
+                                          <p:spTgt spid="3">
+                                            <p:txEl>
+                                              <p:pRg st="3" end="3"/>
+                                            </p:txEl>
+                                          </p:spTgt>
+                                        </p:tgtEl>
+                                        <p:attrNameLst>
+                                          <p:attrName>style.visibility</p:attrName>
+                                        </p:attrNameLst>
+                                      </p:cBhvr>
+                                      <p:to>
+                                        <p:strVal val="visible"/>
+                                      </p:to>
+                                    </p:set>
+                                    <p:animEffect transition="in" filter="fade">
+                                      <p:cBhvr>
+                                        <p:cTn id="22" dur="500"/>
+                                        <p:tgtEl>
+                                          <p:spTgt spid="3">
+                                            <p:txEl>
+                                              <p:pRg st="3" end="3"/>
+                                            </p:txEl>
+                                          </p:spTgt>
+                                        </p:tgtEl>
+                                      </p:cBhvr>
+                                    </p:animEffect>
+                                  </p:childTnLst>
+                                </p:cTn>
+                              </p:par>
+                            </p:childTnLst>
+                          </p:cTn>
+                        </p:par>
+                      </p:childTnLst>
+                    </p:cTn>
+                  </p:par>
+                  <p:par>
+                    <p:cTn id="23" fill="hold">
+                      <p:stCondLst>
+                        <p:cond delay="indefinite"/>
+                      </p:stCondLst>
+                      <p:childTnLst>
+                        <p:par>
+                          <p:cTn id="24" fill="hold">
+                            <p:stCondLst>
+                              <p:cond delay="0"/>
+                            </p:stCondLst>
+                            <p:childTnLst>
+                              <p:par>
+                                <p:cTn id="25" presetID="10" presetClass="entr" presetSubtype="0" fill="hold" grpId="0" nodeType="clickEffect">
+                                  <p:stCondLst>
+                                    <p:cond delay="0"/>
+                                  </p:stCondLst>
+                                  <p:childTnLst>
+                                    <p:set>
+                                      <p:cBhvr>
+                                        <p:cTn id="26" dur="1" fill="hold">
+                                          <p:stCondLst>
+                                            <p:cond delay="0"/>
+                                          </p:stCondLst>
+                                        </p:cTn>
+                                        <p:tgtEl>
+                                          <p:spTgt spid="3">
+                                            <p:txEl>
+                                              <p:pRg st="4" end="4"/>
+                                            </p:txEl>
+                                          </p:spTgt>
+                                        </p:tgtEl>
+                                        <p:attrNameLst>
+                                          <p:attrName>style.visibility</p:attrName>
+                                        </p:attrNameLst>
+                                      </p:cBhvr>
+                                      <p:to>
+                                        <p:strVal val="visible"/>
+                                      </p:to>
+                                    </p:set>
+                                    <p:animEffect transition="in" filter="fade">
+                                      <p:cBhvr>
+                                        <p:cTn id="27" dur="500"/>
+                                        <p:tgtEl>
+                                          <p:spTgt spid="3">
+                                            <p:txEl>
+                                              <p:pRg st="4" end="4"/>
+                                            </p:txEl>
+                                          </p:spTgt>
+                                        </p:tgtEl>
+                                      </p:cBhvr>
+                                    </p:animEffect>
+                                  </p:childTnLst>
+                                </p:cTn>
+                              </p:par>
+                            </p:childTnLst>
+                          </p:cTn>
+                        </p:par>
+                      </p:childTnLst>
+                    </p:cTn>
+                  </p:par>
+                  <p:par>
+                    <p:cTn id="28" fill="hold">
+                      <p:stCondLst>
+                        <p:cond delay="indefinite"/>
+                      </p:stCondLst>
+                      <p:childTnLst>
+                        <p:par>
+                          <p:cTn id="29" fill="hold">
+                            <p:stCondLst>
+                              <p:cond delay="0"/>
+                            </p:stCondLst>
+                            <p:childTnLst>
+                              <p:par>
+                                <p:cTn id="30" presetID="10" presetClass="entr" presetSubtype="0" fill="hold" grpId="0" nodeType="clickEffect">
+                                  <p:stCondLst>
+                                    <p:cond delay="0"/>
+                                  </p:stCondLst>
+                                  <p:childTnLst>
+                                    <p:set>
+                                      <p:cBhvr>
+                                        <p:cTn id="31" dur="1" fill="hold">
+                                          <p:stCondLst>
+                                            <p:cond delay="0"/>
+                                          </p:stCondLst>
+                                        </p:cTn>
+                                        <p:tgtEl>
+                                          <p:spTgt spid="3">
+                                            <p:txEl>
+                                              <p:pRg st="5" end="5"/>
+                                            </p:txEl>
+                                          </p:spTgt>
+                                        </p:tgtEl>
+                                        <p:attrNameLst>
+                                          <p:attrName>style.visibility</p:attrName>
+                                        </p:attrNameLst>
+                                      </p:cBhvr>
+                                      <p:to>
+                                        <p:strVal val="visible"/>
+                                      </p:to>
+                                    </p:set>
+                                    <p:animEffect transition="in" filter="fade">
+                                      <p:cBhvr>
+                                        <p:cTn id="32" dur="500"/>
+                                        <p:tgtEl>
+                                          <p:spTgt spid="3">
+                                            <p:txEl>
+                                              <p:pRg st="5" end="5"/>
+                                            </p:txEl>
+                                          </p:spTgt>
                                         </p:tgtEl>
                                       </p:cBhvr>
                                     </p:animEffect>
@@ -7504,7 +8580,7 @@
       </p:par>
     </p:tnLst>
     <p:bldLst>
-      <p:bldP spid="2" grpId="0"/>
+      <p:bldP spid="3" grpId="0" build="p"/>
     </p:bldLst>
   </p:timing>
 </p:sld>
@@ -7549,6 +8625,7 @@
                     <a:lumMod val="75000"/>
                   </a:schemeClr>
                 </a:solidFill>
+                <a:latin typeface="Agency FB" panose="020B0503020202020204" pitchFamily="34" charset="0"/>
               </a:rPr>
               <a:t>Cigaretta adatok</a:t>
             </a:r>
@@ -7558,6 +8635,7 @@
                   <a:lumMod val="75000"/>
                 </a:schemeClr>
               </a:solidFill>
+              <a:latin typeface="Agency FB" panose="020B0503020202020204" pitchFamily="34" charset="0"/>
             </a:endParaRPr>
           </a:p>
         </p:txBody>
@@ -8289,13 +9367,13 @@
   <p:clrMapOvr>
     <a:masterClrMapping/>
   </p:clrMapOvr>
-  <mc:AlternateContent xmlns:mc="http://schemas.openxmlformats.org/markup-compatibility/2006">
-    <mc:Choice xmlns:p15="http://schemas.microsoft.com/office/powerpoint/2012/main" Requires="p15">
+  <mc:AlternateContent xmlns:mc="http://schemas.openxmlformats.org/markup-compatibility/2006" xmlns:p15="http://schemas.microsoft.com/office/powerpoint/2012/main">
+    <mc:Choice Requires="p15">
       <p:transition xmlns:p14="http://schemas.microsoft.com/office/powerpoint/2010/main" spd="slow" p14:dur="1250">
         <p15:prstTrans prst="pageCurlDouble"/>
       </p:transition>
     </mc:Choice>
-    <mc:Fallback>
+    <mc:Fallback xmlns="">
       <p:transition spd="slow">
         <p:fade/>
       </p:transition>
@@ -8426,6 +9504,7 @@
                     <a:lumMod val="75000"/>
                   </a:schemeClr>
                 </a:solidFill>
+                <a:latin typeface="Agency FB" panose="020B0503020202020204" pitchFamily="34" charset="0"/>
               </a:rPr>
               <a:t>Cigaretta adatok</a:t>
             </a:r>
@@ -8435,6 +9514,7 @@
                   <a:lumMod val="75000"/>
                 </a:schemeClr>
               </a:solidFill>
+              <a:latin typeface="Agency FB" panose="020B0503020202020204" pitchFamily="34" charset="0"/>
             </a:endParaRPr>
           </a:p>
         </p:txBody>
@@ -9366,13 +10446,13 @@
   <p:clrMapOvr>
     <a:masterClrMapping/>
   </p:clrMapOvr>
-  <mc:AlternateContent xmlns:mc="http://schemas.openxmlformats.org/markup-compatibility/2006">
-    <mc:Choice xmlns:p15="http://schemas.microsoft.com/office/powerpoint/2012/main" Requires="p15">
+  <mc:AlternateContent xmlns:mc="http://schemas.openxmlformats.org/markup-compatibility/2006" xmlns:p15="http://schemas.microsoft.com/office/powerpoint/2012/main">
+    <mc:Choice Requires="p15">
       <p:transition xmlns:p14="http://schemas.microsoft.com/office/powerpoint/2010/main" spd="slow" p14:dur="1250">
         <p15:prstTrans prst="pageCurlDouble"/>
       </p:transition>
     </mc:Choice>
-    <mc:Fallback>
+    <mc:Fallback xmlns="">
       <p:transition spd="slow">
         <p:fade/>
       </p:transition>
@@ -9503,6 +10583,7 @@
                     <a:lumMod val="75000"/>
                   </a:schemeClr>
                 </a:solidFill>
+                <a:latin typeface="Agency FB" panose="020B0503020202020204" pitchFamily="34" charset="0"/>
               </a:rPr>
               <a:t>Cigaretta Szűrő</a:t>
             </a:r>
@@ -9512,6 +10593,7 @@
                   <a:lumMod val="75000"/>
                 </a:schemeClr>
               </a:solidFill>
+              <a:latin typeface="Agency FB" panose="020B0503020202020204" pitchFamily="34" charset="0"/>
             </a:endParaRPr>
           </a:p>
         </p:txBody>
@@ -9529,30 +10611,40 @@
         <p:spPr/>
         <p:txBody>
           <a:bodyPr>
-            <a:normAutofit lnSpcReduction="10000"/>
+            <a:normAutofit/>
           </a:bodyPr>
           <a:lstStyle/>
           <a:p>
             <a:pPr algn="ctr"/>
             <a:r>
-              <a:rPr lang="hu-HU" dirty="0"/>
+              <a:rPr lang="hu-HU" dirty="0">
+                <a:latin typeface="Agency FB" panose="020B0503020202020204" pitchFamily="34" charset="0"/>
+              </a:rPr>
               <a:t>Az általánosan elterjedt neve a cigaretta elszívás utáni maradékának a cigarettacsikk, filter vagy szűrő. A szűrő általában a cigaretta teljes hosszúságának a 30%-át teszi ki. A filter egy papírhengerben van, ez tartalmazza a dohány és a hamu maradékának egy részét, valamint a kátrányt. Különleges esetekben a szűrő kisebb mértékben megég, ha túl sokáig szívják a cigarettát. A cigaretta vége sok közvélemény-kutatás tárgya, hogy az emberek ez alapján hogyan értékelik, ítélik meg a márkát, illetve a gyártót. </a:t>
             </a:r>
           </a:p>
           <a:p>
             <a:pPr algn="ctr"/>
             <a:r>
-              <a:rPr lang="hu-HU" dirty="0"/>
+              <a:rPr lang="hu-HU" dirty="0">
+                <a:latin typeface="Agency FB" panose="020B0503020202020204" pitchFamily="34" charset="0"/>
+              </a:rPr>
               <a:t>A közkeletű vélekedéssel ellentétben a cigarettaszűrő nem csökkenti, hanem még akár tovább növelheti a cigaretta káros hatásait</a:t>
             </a:r>
             <a:r>
-              <a:rPr lang="hu-HU" dirty="0" smtClean="0"/>
+              <a:rPr lang="hu-HU" dirty="0" smtClean="0">
+                <a:latin typeface="Agency FB" panose="020B0503020202020204" pitchFamily="34" charset="0"/>
+              </a:rPr>
               <a:t>.</a:t>
             </a:r>
-            <a:endParaRPr lang="hu-HU" dirty="0"/>
-          </a:p>
-          <a:p>
-            <a:endParaRPr lang="hu-HU" dirty="0"/>
+            <a:endParaRPr lang="hu-HU" dirty="0">
+              <a:latin typeface="Agency FB" panose="020B0503020202020204" pitchFamily="34" charset="0"/>
+            </a:endParaRPr>
+          </a:p>
+          <a:p>
+            <a:endParaRPr lang="hu-HU" dirty="0">
+              <a:latin typeface="Agency FB" panose="020B0503020202020204" pitchFamily="34" charset="0"/>
+            </a:endParaRPr>
           </a:p>
         </p:txBody>
       </p:sp>
@@ -9566,13 +10658,13 @@
   <p:clrMapOvr>
     <a:masterClrMapping/>
   </p:clrMapOvr>
-  <mc:AlternateContent xmlns:mc="http://schemas.openxmlformats.org/markup-compatibility/2006">
-    <mc:Choice xmlns:p15="http://schemas.microsoft.com/office/powerpoint/2012/main" Requires="p15">
+  <mc:AlternateContent xmlns:mc="http://schemas.openxmlformats.org/markup-compatibility/2006" xmlns:p15="http://schemas.microsoft.com/office/powerpoint/2012/main">
+    <mc:Choice Requires="p15">
       <p:transition xmlns:p14="http://schemas.microsoft.com/office/powerpoint/2010/main" spd="slow" p14:dur="1250">
         <p15:prstTrans prst="pageCurlDouble"/>
       </p:transition>
     </mc:Choice>
-    <mc:Fallback>
+    <mc:Fallback xmlns="">
       <p:transition spd="slow">
         <p:fade/>
       </p:transition>
@@ -9612,7 +10704,11 @@
                                           </p:stCondLst>
                                         </p:cTn>
                                         <p:tgtEl>
-                                          <p:spTgt spid="2"/>
+                                          <p:spTgt spid="3">
+                                            <p:txEl>
+                                              <p:pRg st="0" end="0"/>
+                                            </p:txEl>
+                                          </p:spTgt>
                                         </p:tgtEl>
                                         <p:attrNameLst>
                                           <p:attrName>style.visibility</p:attrName>
@@ -9626,7 +10722,72 @@
                                       <p:cBhvr>
                                         <p:cTn id="7" dur="500"/>
                                         <p:tgtEl>
-                                          <p:spTgt spid="2"/>
+                                          <p:spTgt spid="3">
+                                            <p:txEl>
+                                              <p:pRg st="0" end="0"/>
+                                            </p:txEl>
+                                          </p:spTgt>
+                                        </p:tgtEl>
+                                      </p:cBhvr>
+                                    </p:animEffect>
+                                  </p:childTnLst>
+                                </p:cTn>
+                              </p:par>
+                            </p:childTnLst>
+                          </p:cTn>
+                        </p:par>
+                      </p:childTnLst>
+                    </p:cTn>
+                  </p:par>
+                  <p:par>
+                    <p:cTn id="8" fill="hold">
+                      <p:stCondLst>
+                        <p:cond delay="indefinite"/>
+                      </p:stCondLst>
+                      <p:childTnLst>
+                        <p:par>
+                          <p:cTn id="9" fill="hold">
+                            <p:stCondLst>
+                              <p:cond delay="0"/>
+                            </p:stCondLst>
+                            <p:childTnLst>
+                              <p:par>
+                                <p:cTn id="10" presetID="10" presetClass="entr" presetSubtype="0" fill="hold" grpId="0" nodeType="clickEffect">
+                                  <p:stCondLst>
+                                    <p:cond delay="0"/>
+                                  </p:stCondLst>
+                                  <p:childTnLst>
+                                    <p:set>
+                                      <p:cBhvr>
+                                        <p:cTn id="11" dur="1" fill="hold">
+                                          <p:stCondLst>
+                                            <p:cond delay="0"/>
+                                          </p:stCondLst>
+                                        </p:cTn>
+                                        <p:tgtEl>
+                                          <p:spTgt spid="3">
+                                            <p:txEl>
+                                              <p:pRg st="1" end="1"/>
+                                            </p:txEl>
+                                          </p:spTgt>
+                                        </p:tgtEl>
+                                        <p:attrNameLst>
+                                          <p:attrName>style.visibility</p:attrName>
+                                        </p:attrNameLst>
+                                      </p:cBhvr>
+                                      <p:to>
+                                        <p:strVal val="visible"/>
+                                      </p:to>
+                                    </p:set>
+                                    <p:animEffect transition="in" filter="fade">
+                                      <p:cBhvr>
+                                        <p:cTn id="12" dur="500"/>
+                                        <p:tgtEl>
+                                          <p:spTgt spid="3">
+                                            <p:txEl>
+                                              <p:pRg st="1" end="1"/>
+                                            </p:txEl>
+                                          </p:spTgt>
                                         </p:tgtEl>
                                       </p:cBhvr>
                                     </p:animEffect>
@@ -9661,7 +10822,7 @@
       </p:par>
     </p:tnLst>
     <p:bldLst>
-      <p:bldP spid="2" grpId="0"/>
+      <p:bldP spid="3" grpId="0" build="p"/>
     </p:bldLst>
   </p:timing>
 </p:sld>
@@ -9697,7 +10858,7 @@
         <p:spPr/>
         <p:txBody>
           <a:bodyPr>
-            <a:normAutofit fontScale="90000"/>
+            <a:normAutofit/>
           </a:bodyPr>
           <a:lstStyle/>
           <a:p>
@@ -9708,6 +10869,7 @@
                     <a:lumMod val="75000"/>
                   </a:schemeClr>
                 </a:solidFill>
+                <a:latin typeface="Agency FB" panose="020B0503020202020204" pitchFamily="34" charset="0"/>
               </a:rPr>
               <a:t>A cigaretta által okozott környezetkárosítás</a:t>
             </a:r>
@@ -9717,6 +10879,7 @@
                   <a:lumMod val="75000"/>
                 </a:schemeClr>
               </a:solidFill>
+              <a:latin typeface="Agency FB" panose="020B0503020202020204" pitchFamily="34" charset="0"/>
             </a:endParaRPr>
           </a:p>
         </p:txBody>
@@ -9739,106 +10902,151 @@
         </p:spPr>
         <p:txBody>
           <a:bodyPr>
-            <a:normAutofit fontScale="70000" lnSpcReduction="20000"/>
+            <a:normAutofit fontScale="77500" lnSpcReduction="20000"/>
           </a:bodyPr>
           <a:lstStyle/>
           <a:p>
             <a:r>
-              <a:rPr lang="hu-HU" dirty="0"/>
+              <a:rPr lang="hu-HU" dirty="0">
+                <a:latin typeface="Agency FB" panose="020B0503020202020204" pitchFamily="34" charset="0"/>
+              </a:rPr>
               <a:t>A csikkben lévő füstszűrő általában </a:t>
             </a:r>
             <a:r>
               <a:rPr lang="hu-HU" dirty="0">
+                <a:latin typeface="Agency FB" panose="020B0503020202020204" pitchFamily="34" charset="0"/>
                 <a:hlinkClick r:id="rId2" tooltip="Cellulóz-acetát (a lap nem létezik)"/>
               </a:rPr>
               <a:t>cellulóz-acetátból</a:t>
             </a:r>
             <a:r>
-              <a:rPr lang="hu-HU" dirty="0"/>
+              <a:rPr lang="hu-HU" dirty="0">
+                <a:latin typeface="Agency FB" panose="020B0503020202020204" pitchFamily="34" charset="0"/>
+              </a:rPr>
               <a:t> készül és elvileg újrahasznosítható, ennek ellenére nagyon ellenálló tud lenni a lebomlással szemben, mely folyamat akár évekig is eltarthat</a:t>
             </a:r>
             <a:r>
-              <a:rPr lang="hu-HU" dirty="0" smtClean="0"/>
+              <a:rPr lang="hu-HU" dirty="0" smtClean="0">
+                <a:latin typeface="Agency FB" panose="020B0503020202020204" pitchFamily="34" charset="0"/>
+              </a:rPr>
               <a:t>.</a:t>
             </a:r>
-            <a:endParaRPr lang="hu-HU" dirty="0"/>
-          </a:p>
-          <a:p>
-            <a:r>
-              <a:rPr lang="hu-HU" dirty="0"/>
+            <a:endParaRPr lang="hu-HU" dirty="0">
+              <a:latin typeface="Agency FB" panose="020B0503020202020204" pitchFamily="34" charset="0"/>
+            </a:endParaRPr>
+          </a:p>
+          <a:p>
+            <a:r>
+              <a:rPr lang="hu-HU" dirty="0">
+                <a:latin typeface="Agency FB" panose="020B0503020202020204" pitchFamily="34" charset="0"/>
+              </a:rPr>
               <a:t>A csikk olyan – a cigarettából származó – vegyi anyagokat tartalmaz, amelyek szennyezik az élővizeket és az </a:t>
             </a:r>
             <a:r>
               <a:rPr lang="hu-HU" dirty="0">
+                <a:latin typeface="Agency FB" panose="020B0503020202020204" pitchFamily="34" charset="0"/>
                 <a:hlinkClick r:id="rId3" tooltip="Ivóvíz"/>
               </a:rPr>
               <a:t>ivóvízkészleteket</a:t>
             </a:r>
             <a:r>
-              <a:rPr lang="hu-HU" dirty="0"/>
+              <a:rPr lang="hu-HU" dirty="0">
+                <a:latin typeface="Agency FB" panose="020B0503020202020204" pitchFamily="34" charset="0"/>
+              </a:rPr>
               <a:t>. Egy 2014-es tanulmányban halakon vizsgálták a cigaretta és a szűrő hatásait. Ennek során azt állapították meg, hogy a vízben lévő, ép, teljes cigaretta, valamint a visszamaradt csikk is mérgező hatású volt a kísérletben részt vevő fajokra. Ehhez viszonylag alacsony koncentráció is elég volt, így már 1-2 cigarettacsikk is elég volt literenként, hogy 96 órán belül halált okozzon a halak 50%-ának. Ugyanezen tanulmányban azt is megállapították, hogy a használt cigarettaszűrő mérgezőbb hatású, mint az új, használaton még nem átesett szűrő</a:t>
             </a:r>
             <a:r>
-              <a:rPr lang="hu-HU" dirty="0" smtClean="0"/>
+              <a:rPr lang="hu-HU" dirty="0" smtClean="0">
+                <a:latin typeface="Agency FB" panose="020B0503020202020204" pitchFamily="34" charset="0"/>
+              </a:rPr>
               <a:t>.</a:t>
             </a:r>
-            <a:endParaRPr lang="hu-HU" dirty="0"/>
-          </a:p>
-          <a:p>
-            <a:r>
-              <a:rPr lang="hu-HU" dirty="0"/>
+            <a:endParaRPr lang="hu-HU" dirty="0">
+              <a:latin typeface="Agency FB" panose="020B0503020202020204" pitchFamily="34" charset="0"/>
+            </a:endParaRPr>
+          </a:p>
+          <a:p>
+            <a:r>
+              <a:rPr lang="hu-HU" dirty="0">
+                <a:latin typeface="Agency FB" panose="020B0503020202020204" pitchFamily="34" charset="0"/>
+              </a:rPr>
               <a:t>A világ 1,3 milliárd dohányosa a becslések szerint évente kb. 4,5 billió cigarettacsikktől nem megfelelő módon szabadul </a:t>
             </a:r>
             <a:r>
-              <a:rPr lang="hu-HU" dirty="0" smtClean="0"/>
+              <a:rPr lang="hu-HU" dirty="0" smtClean="0">
+                <a:latin typeface="Agency FB" panose="020B0503020202020204" pitchFamily="34" charset="0"/>
+              </a:rPr>
               <a:t>meg,így </a:t>
             </a:r>
             <a:r>
-              <a:rPr lang="hu-HU" dirty="0"/>
+              <a:rPr lang="hu-HU" dirty="0">
+                <a:latin typeface="Agency FB" panose="020B0503020202020204" pitchFamily="34" charset="0"/>
+              </a:rPr>
               <a:t>a csikkek a leggyakrabban a környezetbe kerülő hulladékok a bolygón. </a:t>
             </a:r>
             <a:r>
               <a:rPr lang="hu-HU" dirty="0">
+                <a:latin typeface="Agency FB" panose="020B0503020202020204" pitchFamily="34" charset="0"/>
                 <a:hlinkClick r:id="rId4" tooltip="2006"/>
               </a:rPr>
               <a:t>2006</a:t>
             </a:r>
             <a:r>
-              <a:rPr lang="hu-HU" dirty="0"/>
+              <a:rPr lang="hu-HU" dirty="0">
+                <a:latin typeface="Agency FB" panose="020B0503020202020204" pitchFamily="34" charset="0"/>
+              </a:rPr>
               <a:t>-ban az International </a:t>
             </a:r>
             <a:r>
-              <a:rPr lang="hu-HU" dirty="0" err="1"/>
+              <a:rPr lang="hu-HU" dirty="0" err="1">
+                <a:latin typeface="Agency FB" panose="020B0503020202020204" pitchFamily="34" charset="0"/>
+              </a:rPr>
               <a:t>Coastal</a:t>
             </a:r>
             <a:r>
-              <a:rPr lang="hu-HU" dirty="0"/>
+              <a:rPr lang="hu-HU" dirty="0">
+                <a:latin typeface="Agency FB" panose="020B0503020202020204" pitchFamily="34" charset="0"/>
+              </a:rPr>
               <a:t> </a:t>
             </a:r>
             <a:r>
-              <a:rPr lang="hu-HU" dirty="0" err="1"/>
+              <a:rPr lang="hu-HU" dirty="0" err="1">
+                <a:latin typeface="Agency FB" panose="020B0503020202020204" pitchFamily="34" charset="0"/>
+              </a:rPr>
               <a:t>Cleanupban</a:t>
             </a:r>
             <a:r>
-              <a:rPr lang="hu-HU" dirty="0"/>
+              <a:rPr lang="hu-HU" dirty="0">
+                <a:latin typeface="Agency FB" panose="020B0503020202020204" pitchFamily="34" charset="0"/>
+              </a:rPr>
               <a:t> a cigaretták és a cigarettacsikkek az összegyűjtött szemét 24,7%-át tették ki, több mint kétszer annyit, mint bármelyik más összegyűjtendő kategória</a:t>
             </a:r>
             <a:r>
-              <a:rPr lang="hu-HU" dirty="0" smtClean="0"/>
+              <a:rPr lang="hu-HU" dirty="0" smtClean="0">
+                <a:latin typeface="Agency FB" panose="020B0503020202020204" pitchFamily="34" charset="0"/>
+              </a:rPr>
               <a:t>. </a:t>
             </a:r>
             <a:r>
-              <a:rPr lang="hu-HU" dirty="0"/>
+              <a:rPr lang="hu-HU" dirty="0">
+                <a:latin typeface="Agency FB" panose="020B0503020202020204" pitchFamily="34" charset="0"/>
+              </a:rPr>
               <a:t>Sok kormány bünteti az égő cigarettákat elővigyázatlanul eldobó személyeket, például az amerikai Washington állam 1025 dolláros büntetést szab ki az ilyen cselekmények elkövetőire</a:t>
             </a:r>
             <a:r>
-              <a:rPr lang="hu-HU" dirty="0" smtClean="0"/>
+              <a:rPr lang="hu-HU" dirty="0" smtClean="0">
+                <a:latin typeface="Agency FB" panose="020B0503020202020204" pitchFamily="34" charset="0"/>
+              </a:rPr>
               <a:t>.</a:t>
             </a:r>
-            <a:endParaRPr lang="hu-HU" dirty="0"/>
-          </a:p>
-          <a:p>
-            <a:endParaRPr lang="hu-HU" dirty="0"/>
+            <a:endParaRPr lang="hu-HU" dirty="0">
+              <a:latin typeface="Agency FB" panose="020B0503020202020204" pitchFamily="34" charset="0"/>
+            </a:endParaRPr>
+          </a:p>
+          <a:p>
+            <a:endParaRPr lang="hu-HU" dirty="0">
+              <a:latin typeface="Agency FB" panose="020B0503020202020204" pitchFamily="34" charset="0"/>
+            </a:endParaRPr>
           </a:p>
         </p:txBody>
       </p:sp>
@@ -9852,13 +11060,13 @@
   <p:clrMapOvr>
     <a:masterClrMapping/>
   </p:clrMapOvr>
-  <mc:AlternateContent xmlns:mc="http://schemas.openxmlformats.org/markup-compatibility/2006">
-    <mc:Choice xmlns:p15="http://schemas.microsoft.com/office/powerpoint/2012/main" Requires="p15">
+  <mc:AlternateContent xmlns:mc="http://schemas.openxmlformats.org/markup-compatibility/2006" xmlns:p15="http://schemas.microsoft.com/office/powerpoint/2012/main">
+    <mc:Choice Requires="p15">
       <p:transition xmlns:p14="http://schemas.microsoft.com/office/powerpoint/2010/main" spd="slow" p14:dur="1250">
         <p15:prstTrans prst="pageCurlDouble"/>
       </p:transition>
     </mc:Choice>
-    <mc:Fallback>
+    <mc:Fallback xmlns="">
       <p:transition spd="slow">
         <p:fade/>
       </p:transition>
@@ -9898,7 +11106,11 @@
                                           </p:stCondLst>
                                         </p:cTn>
                                         <p:tgtEl>
-                                          <p:spTgt spid="2"/>
+                                          <p:spTgt spid="3">
+                                            <p:txEl>
+                                              <p:pRg st="0" end="0"/>
+                                            </p:txEl>
+                                          </p:spTgt>
                                         </p:tgtEl>
                                         <p:attrNameLst>
                                           <p:attrName>style.visibility</p:attrName>
@@ -9912,7 +11124,133 @@
                                       <p:cBhvr>
                                         <p:cTn id="7" dur="500"/>
                                         <p:tgtEl>
-                                          <p:spTgt spid="2"/>
+                                          <p:spTgt spid="3">
+                                            <p:txEl>
+                                              <p:pRg st="0" end="0"/>
+                                            </p:txEl>
+                                          </p:spTgt>
+                                        </p:tgtEl>
+                                      </p:cBhvr>
+                                    </p:animEffect>
+                                  </p:childTnLst>
+                                </p:cTn>
+                              </p:par>
+                            </p:childTnLst>
+                          </p:cTn>
+                        </p:par>
+                      </p:childTnLst>
+                    </p:cTn>
+                  </p:par>
+                  <p:par>
+                    <p:cTn id="8" fill="hold">
+                      <p:stCondLst>
+                        <p:cond delay="indefinite"/>
+                      </p:stCondLst>
+                      <p:childTnLst>
+                        <p:par>
+                          <p:cTn id="9" fill="hold">
+                            <p:stCondLst>
+                              <p:cond delay="0"/>
+                            </p:stCondLst>
+                            <p:childTnLst>
+                              <p:par>
+                                <p:cTn id="10" presetID="10" presetClass="entr" presetSubtype="0" fill="hold" grpId="0" nodeType="clickEffect">
+                                  <p:stCondLst>
+                                    <p:cond delay="0"/>
+                                  </p:stCondLst>
+                                  <p:childTnLst>
+                                    <p:set>
+                                      <p:cBhvr>
+                                        <p:cTn id="11" dur="1" fill="hold">
+                                          <p:stCondLst>
+                                            <p:cond delay="0"/>
+                                          </p:stCondLst>
+                                        </p:cTn>
+                                        <p:tgtEl>
+                                          <p:spTgt spid="3">
+                                            <p:txEl>
+                                              <p:pRg st="1" end="1"/>
+                                            </p:txEl>
+                                          </p:spTgt>
+                                        </p:tgtEl>
+                                        <p:attrNameLst>
+                                          <p:attrName>style.visibility</p:attrName>
+                                        </p:attrNameLst>
+                                      </p:cBhvr>
+                                      <p:to>
+                                        <p:strVal val="visible"/>
+                                      </p:to>
+                                    </p:set>
+                                    <p:animEffect transition="in" filter="fade">
+                                      <p:cBhvr>
+                                        <p:cTn id="12" dur="500"/>
+                                        <p:tgtEl>
+                                          <p:spTgt spid="3">
+                                            <p:txEl>
+                                              <p:pRg st="1" end="1"/>
+                                            </p:txEl>
+                                          </p:spTgt>
+                                        </p:tgtEl>
+                                      </p:cBhvr>
+                                    </p:animEffect>
+                                  </p:childTnLst>
+                                </p:cTn>
+                              </p:par>
+                            </p:childTnLst>
+                          </p:cTn>
+                        </p:par>
+                      </p:childTnLst>
+                    </p:cTn>
+                  </p:par>
+                  <p:par>
+                    <p:cTn id="13" fill="hold">
+                      <p:stCondLst>
+                        <p:cond delay="indefinite"/>
+                      </p:stCondLst>
+                      <p:childTnLst>
+                        <p:par>
+                          <p:cTn id="14" fill="hold">
+                            <p:stCondLst>
+                              <p:cond delay="0"/>
+                            </p:stCondLst>
+                            <p:childTnLst>
+                              <p:par>
+                                <p:cTn id="15" presetID="10" presetClass="entr" presetSubtype="0" fill="hold" grpId="0" nodeType="clickEffect">
+                                  <p:stCondLst>
+                                    <p:cond delay="0"/>
+                                  </p:stCondLst>
+                                  <p:childTnLst>
+                                    <p:set>
+                                      <p:cBhvr>
+                                        <p:cTn id="16" dur="1" fill="hold">
+                                          <p:stCondLst>
+                                            <p:cond delay="0"/>
+                                          </p:stCondLst>
+                                        </p:cTn>
+                                        <p:tgtEl>
+                                          <p:spTgt spid="3">
+                                            <p:txEl>
+                                              <p:pRg st="2" end="2"/>
+                                            </p:txEl>
+                                          </p:spTgt>
+                                        </p:tgtEl>
+                                        <p:attrNameLst>
+                                          <p:attrName>style.visibility</p:attrName>
+                                        </p:attrNameLst>
+                                      </p:cBhvr>
+                                      <p:to>
+                                        <p:strVal val="visible"/>
+                                      </p:to>
+                                    </p:set>
+                                    <p:animEffect transition="in" filter="fade">
+                                      <p:cBhvr>
+                                        <p:cTn id="17" dur="500"/>
+                                        <p:tgtEl>
+                                          <p:spTgt spid="3">
+                                            <p:txEl>
+                                              <p:pRg st="2" end="2"/>
+                                            </p:txEl>
+                                          </p:spTgt>
                                         </p:tgtEl>
                                       </p:cBhvr>
                                     </p:animEffect>
@@ -9947,7 +11285,7 @@
       </p:par>
     </p:tnLst>
     <p:bldLst>
-      <p:bldP spid="2" grpId="0"/>
+      <p:bldP spid="3" grpId="0" build="p"/>
     </p:bldLst>
   </p:timing>
 </p:sld>

--- a/Cigaretta PPT.pptx
+++ b/Cigaretta PPT.pptx
@@ -451,7 +451,7 @@
           <a:p>
             <a:fld id="{132EFA0A-8D4B-4922-BE2C-539CCF55C596}" type="datetimeFigureOut">
               <a:rPr lang="hu-HU" smtClean="0"/>
-              <a:t>2022.09.29.</a:t>
+              <a:t>2022.10.05.</a:t>
             </a:fld>
             <a:endParaRPr lang="hu-HU"/>
           </a:p>
@@ -782,7 +782,7 @@
           <a:p>
             <a:fld id="{132EFA0A-8D4B-4922-BE2C-539CCF55C596}" type="datetimeFigureOut">
               <a:rPr lang="hu-HU" smtClean="0"/>
-              <a:t>2022.09.29.</a:t>
+              <a:t>2022.10.05.</a:t>
             </a:fld>
             <a:endParaRPr lang="hu-HU"/>
           </a:p>
@@ -1030,7 +1030,7 @@
           <a:p>
             <a:fld id="{132EFA0A-8D4B-4922-BE2C-539CCF55C596}" type="datetimeFigureOut">
               <a:rPr lang="hu-HU" smtClean="0"/>
-              <a:t>2022.09.29.</a:t>
+              <a:t>2022.10.05.</a:t>
             </a:fld>
             <a:endParaRPr lang="hu-HU"/>
           </a:p>
@@ -1369,7 +1369,7 @@
           <a:p>
             <a:fld id="{132EFA0A-8D4B-4922-BE2C-539CCF55C596}" type="datetimeFigureOut">
               <a:rPr lang="hu-HU" smtClean="0"/>
-              <a:t>2022.09.29.</a:t>
+              <a:t>2022.10.05.</a:t>
             </a:fld>
             <a:endParaRPr lang="hu-HU"/>
           </a:p>
@@ -1716,7 +1716,7 @@
           <a:p>
             <a:fld id="{132EFA0A-8D4B-4922-BE2C-539CCF55C596}" type="datetimeFigureOut">
               <a:rPr lang="hu-HU" smtClean="0"/>
-              <a:t>2022.09.29.</a:t>
+              <a:t>2022.10.05.</a:t>
             </a:fld>
             <a:endParaRPr lang="hu-HU"/>
           </a:p>
@@ -2090,7 +2090,7 @@
           <a:p>
             <a:fld id="{132EFA0A-8D4B-4922-BE2C-539CCF55C596}" type="datetimeFigureOut">
               <a:rPr lang="hu-HU" smtClean="0"/>
-              <a:t>2022.09.29.</a:t>
+              <a:t>2022.10.05.</a:t>
             </a:fld>
             <a:endParaRPr lang="hu-HU"/>
           </a:p>
@@ -2560,7 +2560,7 @@
           <a:p>
             <a:fld id="{132EFA0A-8D4B-4922-BE2C-539CCF55C596}" type="datetimeFigureOut">
               <a:rPr lang="hu-HU" smtClean="0"/>
-              <a:t>2022.09.29.</a:t>
+              <a:t>2022.10.05.</a:t>
             </a:fld>
             <a:endParaRPr lang="hu-HU"/>
           </a:p>
@@ -2765,7 +2765,7 @@
           <a:p>
             <a:fld id="{132EFA0A-8D4B-4922-BE2C-539CCF55C596}" type="datetimeFigureOut">
               <a:rPr lang="hu-HU" smtClean="0"/>
-              <a:t>2022.09.29.</a:t>
+              <a:t>2022.10.05.</a:t>
             </a:fld>
             <a:endParaRPr lang="hu-HU"/>
           </a:p>
@@ -2976,7 +2976,7 @@
           <a:p>
             <a:fld id="{132EFA0A-8D4B-4922-BE2C-539CCF55C596}" type="datetimeFigureOut">
               <a:rPr lang="hu-HU" smtClean="0"/>
-              <a:t>2022.09.29.</a:t>
+              <a:t>2022.10.05.</a:t>
             </a:fld>
             <a:endParaRPr lang="hu-HU"/>
           </a:p>
@@ -3208,7 +3208,7 @@
           <a:p>
             <a:fld id="{132EFA0A-8D4B-4922-BE2C-539CCF55C596}" type="datetimeFigureOut">
               <a:rPr lang="hu-HU" smtClean="0"/>
-              <a:t>2022.09.29.</a:t>
+              <a:t>2022.10.05.</a:t>
             </a:fld>
             <a:endParaRPr lang="hu-HU"/>
           </a:p>
@@ -3463,7 +3463,7 @@
           <a:p>
             <a:fld id="{132EFA0A-8D4B-4922-BE2C-539CCF55C596}" type="datetimeFigureOut">
               <a:rPr lang="hu-HU" smtClean="0"/>
-              <a:t>2022.09.29.</a:t>
+              <a:t>2022.10.05.</a:t>
             </a:fld>
             <a:endParaRPr lang="hu-HU"/>
           </a:p>
@@ -3761,7 +3761,7 @@
           <a:p>
             <a:fld id="{132EFA0A-8D4B-4922-BE2C-539CCF55C596}" type="datetimeFigureOut">
               <a:rPr lang="hu-HU" smtClean="0"/>
-              <a:t>2022.09.29.</a:t>
+              <a:t>2022.10.05.</a:t>
             </a:fld>
             <a:endParaRPr lang="hu-HU"/>
           </a:p>
@@ -4155,7 +4155,7 @@
           <a:p>
             <a:fld id="{132EFA0A-8D4B-4922-BE2C-539CCF55C596}" type="datetimeFigureOut">
               <a:rPr lang="hu-HU" smtClean="0"/>
-              <a:t>2022.09.29.</a:t>
+              <a:t>2022.10.05.</a:t>
             </a:fld>
             <a:endParaRPr lang="hu-HU"/>
           </a:p>
@@ -4304,7 +4304,7 @@
           <a:p>
             <a:fld id="{132EFA0A-8D4B-4922-BE2C-539CCF55C596}" type="datetimeFigureOut">
               <a:rPr lang="hu-HU" smtClean="0"/>
-              <a:t>2022.09.29.</a:t>
+              <a:t>2022.10.05.</a:t>
             </a:fld>
             <a:endParaRPr lang="hu-HU"/>
           </a:p>
@@ -4430,7 +4430,7 @@
           <a:p>
             <a:fld id="{132EFA0A-8D4B-4922-BE2C-539CCF55C596}" type="datetimeFigureOut">
               <a:rPr lang="hu-HU" smtClean="0"/>
-              <a:t>2022.09.29.</a:t>
+              <a:t>2022.10.05.</a:t>
             </a:fld>
             <a:endParaRPr lang="hu-HU"/>
           </a:p>
@@ -4685,7 +4685,7 @@
           <a:p>
             <a:fld id="{132EFA0A-8D4B-4922-BE2C-539CCF55C596}" type="datetimeFigureOut">
               <a:rPr lang="hu-HU" smtClean="0"/>
-              <a:t>2022.09.29.</a:t>
+              <a:t>2022.10.05.</a:t>
             </a:fld>
             <a:endParaRPr lang="hu-HU"/>
           </a:p>
@@ -5000,7 +5000,7 @@
           <a:p>
             <a:fld id="{132EFA0A-8D4B-4922-BE2C-539CCF55C596}" type="datetimeFigureOut">
               <a:rPr lang="hu-HU" smtClean="0"/>
-              <a:t>2022.09.29.</a:t>
+              <a:t>2022.10.05.</a:t>
             </a:fld>
             <a:endParaRPr lang="hu-HU"/>
           </a:p>
@@ -5351,7 +5351,7 @@
           <a:p>
             <a:fld id="{132EFA0A-8D4B-4922-BE2C-539CCF55C596}" type="datetimeFigureOut">
               <a:rPr lang="hu-HU" smtClean="0"/>
-              <a:t>2022.09.29.</a:t>
+              <a:t>2022.10.05.</a:t>
             </a:fld>
             <a:endParaRPr lang="hu-HU"/>
           </a:p>
@@ -6659,16 +6659,16 @@
               <a:t>A dohányzás </a:t>
             </a:r>
             <a:r>
-              <a:rPr lang="hu-HU" sz="1400" dirty="0" err="1">
+              <a:rPr lang="hu-HU" sz="1400" dirty="0" smtClean="0">
                 <a:latin typeface="Agency FB" panose="020B0503020202020204" pitchFamily="34" charset="0"/>
               </a:rPr>
-              <a:t>combfejelhalást</a:t>
+              <a:t>combfej elhalást </a:t>
             </a:r>
             <a:r>
               <a:rPr lang="hu-HU" sz="1400" dirty="0">
                 <a:latin typeface="Agency FB" panose="020B0503020202020204" pitchFamily="34" charset="0"/>
               </a:rPr>
-              <a:t> és ízületi betegségeket okozhat.</a:t>
+              <a:t>és ízületi betegségeket okozhat.</a:t>
             </a:r>
           </a:p>
           <a:p>
@@ -7984,7 +7984,6 @@
             <a:r>
               <a:rPr lang="hu-HU" sz="1700" b="1" dirty="0">
                 <a:latin typeface="Agency FB" panose="020B0503020202020204" pitchFamily="34" charset="0"/>
-                <a:hlinkClick r:id="rId2" tooltip="rák daganat rekedtség tumor metasztázis áttét fulladás vitamin infúziós kezelés"/>
               </a:rPr>
               <a:t>rák</a:t>
             </a:r>
@@ -8042,7 +8041,6 @@
             <a:r>
               <a:rPr lang="hu-HU" sz="1700" b="1" dirty="0">
                 <a:latin typeface="Agency FB" panose="020B0503020202020204" pitchFamily="34" charset="0"/>
-                <a:hlinkClick r:id="rId3" tooltip="Gégerák tumor gége daganat vitamin infúziós kezelés metasztázis dohányzás áttét rekedtség fulladás"/>
               </a:rPr>
               <a:t>gégerák</a:t>
             </a:r>
@@ -10913,17 +10911,16 @@
               <a:t>A csikkben lévő füstszűrő általában </a:t>
             </a:r>
             <a:r>
-              <a:rPr lang="hu-HU" dirty="0">
+              <a:rPr lang="hu-HU" dirty="0" smtClean="0">
                 <a:latin typeface="Agency FB" panose="020B0503020202020204" pitchFamily="34" charset="0"/>
-                <a:hlinkClick r:id="rId2" tooltip="Cellulóz-acetát (a lap nem létezik)"/>
               </a:rPr>
-              <a:t>cellulóz-acetátból</a:t>
+              <a:t>cellulóz-acetátból </a:t>
             </a:r>
             <a:r>
               <a:rPr lang="hu-HU" dirty="0">
                 <a:latin typeface="Agency FB" panose="020B0503020202020204" pitchFamily="34" charset="0"/>
               </a:rPr>
-              <a:t> készül és elvileg újrahasznosítható, ennek ellenére nagyon ellenálló tud lenni a lebomlással szemben, mely folyamat akár évekig is eltarthat</a:t>
+              <a:t>készül és elvileg újrahasznosítható, ennek ellenére nagyon ellenálló tud lenni a lebomlással szemben, mely folyamat akár évekig is eltarthat</a:t>
             </a:r>
             <a:r>
               <a:rPr lang="hu-HU" dirty="0" smtClean="0">
@@ -10940,20 +10937,7 @@
               <a:rPr lang="hu-HU" dirty="0">
                 <a:latin typeface="Agency FB" panose="020B0503020202020204" pitchFamily="34" charset="0"/>
               </a:rPr>
-              <a:t>A csikk olyan – a cigarettából származó – vegyi anyagokat tartalmaz, amelyek szennyezik az élővizeket és az </a:t>
-            </a:r>
-            <a:r>
-              <a:rPr lang="hu-HU" dirty="0">
-                <a:latin typeface="Agency FB" panose="020B0503020202020204" pitchFamily="34" charset="0"/>
-                <a:hlinkClick r:id="rId3" tooltip="Ivóvíz"/>
-              </a:rPr>
-              <a:t>ivóvízkészleteket</a:t>
-            </a:r>
-            <a:r>
-              <a:rPr lang="hu-HU" dirty="0">
-                <a:latin typeface="Agency FB" panose="020B0503020202020204" pitchFamily="34" charset="0"/>
-              </a:rPr>
-              <a:t>. Egy 2014-es tanulmányban halakon vizsgálták a cigaretta és a szűrő hatásait. Ennek során azt állapították meg, hogy a vízben lévő, ép, teljes cigaretta, valamint a visszamaradt csikk is mérgező hatású volt a kísérletben részt vevő fajokra. Ehhez viszonylag alacsony koncentráció is elég volt, így már 1-2 cigarettacsikk is elég volt literenként, hogy 96 órán belül halált okozzon a halak 50%-ának. Ugyanezen tanulmányban azt is megállapították, hogy a használt cigarettaszűrő mérgezőbb hatású, mint az új, használaton még nem átesett szűrő</a:t>
+              <a:t>A csikk olyan – a cigarettából származó – vegyi anyagokat tartalmaz, amelyek szennyezik az élővizeket és az ivóvízkészleteket. Egy 2014-es tanulmányban halakon vizsgálták a cigaretta és a szűrő hatásait. Ennek során azt állapították meg, hogy a vízben lévő, ép, teljes cigaretta, valamint a visszamaradt csikk is mérgező hatású volt a kísérletben részt vevő fajokra. Ehhez viszonylag alacsony koncentráció is elég volt, így már 1-2 cigarettacsikk is elég volt literenként, hogy 96 órán belül halált okozzon a halak 50%-ának. Ugyanezen tanulmányban azt is megállapították, hogy a használt cigarettaszűrő mérgezőbb hatású, mint az új, használaton még nem átesett szűrő</a:t>
             </a:r>
             <a:r>
               <a:rPr lang="hu-HU" dirty="0" smtClean="0">
@@ -10985,17 +10969,16 @@
               <a:t>a csikkek a leggyakrabban a környezetbe kerülő hulladékok a bolygón. </a:t>
             </a:r>
             <a:r>
-              <a:rPr lang="hu-HU" dirty="0">
+              <a:rPr lang="hu-HU" dirty="0" smtClean="0">
                 <a:latin typeface="Agency FB" panose="020B0503020202020204" pitchFamily="34" charset="0"/>
-                <a:hlinkClick r:id="rId4" tooltip="2006"/>
               </a:rPr>
-              <a:t>2006</a:t>
+              <a:t>2006-ban </a:t>
             </a:r>
             <a:r>
               <a:rPr lang="hu-HU" dirty="0">
                 <a:latin typeface="Agency FB" panose="020B0503020202020204" pitchFamily="34" charset="0"/>
               </a:rPr>
-              <a:t>-ban az International </a:t>
+              <a:t>az International </a:t>
             </a:r>
             <a:r>
               <a:rPr lang="hu-HU" dirty="0" err="1">
